--- a/Final pre.pptx
+++ b/Final pre.pptx
@@ -111,6 +111,11 @@
       </a:defRPr>
     </a:lvl9pPr>
   </p:defaultTextStyle>
+  <p:extLst>
+    <p:ext uri="{EFAFB233-063F-42B5-8137-9DF3F51BA10A}">
+      <p15:sldGuideLst xmlns:p15="http://schemas.microsoft.com/office/powerpoint/2012/main"/>
+    </p:ext>
+  </p:extLst>
 </p:presentation>
 </file>
 
@@ -304,7 +309,7 @@
           <a:p>
             <a:fld id="{B11B4ED3-F84C-4013-B545-4C98F9FFD2B5}" type="datetimeFigureOut">
               <a:rPr lang="zh-CN" altLang="en-US" smtClean="0"/>
-              <a:t>2017/11/9</a:t>
+              <a:t>17/11/10</a:t>
             </a:fld>
             <a:endParaRPr lang="zh-CN" altLang="en-US"/>
           </a:p>
@@ -579,7 +584,7 @@
           <a:p>
             <a:fld id="{B11B4ED3-F84C-4013-B545-4C98F9FFD2B5}" type="datetimeFigureOut">
               <a:rPr lang="zh-CN" altLang="en-US" smtClean="0"/>
-              <a:t>2017/11/9</a:t>
+              <a:t>17/11/10</a:t>
             </a:fld>
             <a:endParaRPr lang="zh-CN" altLang="en-US"/>
           </a:p>
@@ -773,7 +778,7 @@
           <a:p>
             <a:fld id="{B11B4ED3-F84C-4013-B545-4C98F9FFD2B5}" type="datetimeFigureOut">
               <a:rPr lang="zh-CN" altLang="en-US" smtClean="0"/>
-              <a:t>2017/11/9</a:t>
+              <a:t>17/11/10</a:t>
             </a:fld>
             <a:endParaRPr lang="zh-CN" altLang="en-US"/>
           </a:p>
@@ -1046,7 +1051,7 @@
           <a:p>
             <a:fld id="{B11B4ED3-F84C-4013-B545-4C98F9FFD2B5}" type="datetimeFigureOut">
               <a:rPr lang="zh-CN" altLang="en-US" smtClean="0"/>
-              <a:t>2017/11/9</a:t>
+              <a:t>17/11/10</a:t>
             </a:fld>
             <a:endParaRPr lang="zh-CN" altLang="en-US"/>
           </a:p>
@@ -1387,7 +1392,7 @@
           <a:p>
             <a:fld id="{B11B4ED3-F84C-4013-B545-4C98F9FFD2B5}" type="datetimeFigureOut">
               <a:rPr lang="zh-CN" altLang="en-US" smtClean="0"/>
-              <a:t>2017/11/9</a:t>
+              <a:t>17/11/10</a:t>
             </a:fld>
             <a:endParaRPr lang="zh-CN" altLang="en-US"/>
           </a:p>
@@ -2010,7 +2015,7 @@
           <a:p>
             <a:fld id="{B11B4ED3-F84C-4013-B545-4C98F9FFD2B5}" type="datetimeFigureOut">
               <a:rPr lang="zh-CN" altLang="en-US" smtClean="0"/>
-              <a:t>2017/11/9</a:t>
+              <a:t>17/11/10</a:t>
             </a:fld>
             <a:endParaRPr lang="zh-CN" altLang="en-US"/>
           </a:p>
@@ -2870,7 +2875,7 @@
           <a:p>
             <a:fld id="{B11B4ED3-F84C-4013-B545-4C98F9FFD2B5}" type="datetimeFigureOut">
               <a:rPr lang="zh-CN" altLang="en-US" smtClean="0"/>
-              <a:t>2017/11/9</a:t>
+              <a:t>17/11/10</a:t>
             </a:fld>
             <a:endParaRPr lang="zh-CN" altLang="en-US"/>
           </a:p>
@@ -3040,7 +3045,7 @@
           <a:p>
             <a:fld id="{B11B4ED3-F84C-4013-B545-4C98F9FFD2B5}" type="datetimeFigureOut">
               <a:rPr lang="zh-CN" altLang="en-US" smtClean="0"/>
-              <a:t>2017/11/9</a:t>
+              <a:t>17/11/10</a:t>
             </a:fld>
             <a:endParaRPr lang="zh-CN" altLang="en-US"/>
           </a:p>
@@ -3220,7 +3225,7 @@
           <a:p>
             <a:fld id="{B11B4ED3-F84C-4013-B545-4C98F9FFD2B5}" type="datetimeFigureOut">
               <a:rPr lang="zh-CN" altLang="en-US" smtClean="0"/>
-              <a:t>2017/11/9</a:t>
+              <a:t>17/11/10</a:t>
             </a:fld>
             <a:endParaRPr lang="zh-CN" altLang="en-US"/>
           </a:p>
@@ -3390,7 +3395,7 @@
           <a:p>
             <a:fld id="{B11B4ED3-F84C-4013-B545-4C98F9FFD2B5}" type="datetimeFigureOut">
               <a:rPr lang="zh-CN" altLang="en-US" smtClean="0"/>
-              <a:t>2017/11/9</a:t>
+              <a:t>17/11/10</a:t>
             </a:fld>
             <a:endParaRPr lang="zh-CN" altLang="en-US"/>
           </a:p>
@@ -3637,7 +3642,7 @@
           <a:p>
             <a:fld id="{B11B4ED3-F84C-4013-B545-4C98F9FFD2B5}" type="datetimeFigureOut">
               <a:rPr lang="zh-CN" altLang="en-US" smtClean="0"/>
-              <a:t>2017/11/9</a:t>
+              <a:t>17/11/10</a:t>
             </a:fld>
             <a:endParaRPr lang="zh-CN" altLang="en-US"/>
           </a:p>
@@ -3929,7 +3934,7 @@
           <a:p>
             <a:fld id="{B11B4ED3-F84C-4013-B545-4C98F9FFD2B5}" type="datetimeFigureOut">
               <a:rPr lang="zh-CN" altLang="en-US" smtClean="0"/>
-              <a:t>2017/11/9</a:t>
+              <a:t>17/11/10</a:t>
             </a:fld>
             <a:endParaRPr lang="zh-CN" altLang="en-US"/>
           </a:p>
@@ -4373,7 +4378,7 @@
           <a:p>
             <a:fld id="{B11B4ED3-F84C-4013-B545-4C98F9FFD2B5}" type="datetimeFigureOut">
               <a:rPr lang="zh-CN" altLang="en-US" smtClean="0"/>
-              <a:t>2017/11/9</a:t>
+              <a:t>17/11/10</a:t>
             </a:fld>
             <a:endParaRPr lang="zh-CN" altLang="en-US"/>
           </a:p>
@@ -4491,7 +4496,7 @@
           <a:p>
             <a:fld id="{B11B4ED3-F84C-4013-B545-4C98F9FFD2B5}" type="datetimeFigureOut">
               <a:rPr lang="zh-CN" altLang="en-US" smtClean="0"/>
-              <a:t>2017/11/9</a:t>
+              <a:t>17/11/10</a:t>
             </a:fld>
             <a:endParaRPr lang="zh-CN" altLang="en-US"/>
           </a:p>
@@ -4586,7 +4591,7 @@
           <a:p>
             <a:fld id="{B11B4ED3-F84C-4013-B545-4C98F9FFD2B5}" type="datetimeFigureOut">
               <a:rPr lang="zh-CN" altLang="en-US" smtClean="0"/>
-              <a:t>2017/11/9</a:t>
+              <a:t>17/11/10</a:t>
             </a:fld>
             <a:endParaRPr lang="zh-CN" altLang="en-US"/>
           </a:p>
@@ -4865,7 +4870,7 @@
           <a:p>
             <a:fld id="{B11B4ED3-F84C-4013-B545-4C98F9FFD2B5}" type="datetimeFigureOut">
               <a:rPr lang="zh-CN" altLang="en-US" smtClean="0"/>
-              <a:t>2017/11/9</a:t>
+              <a:t>17/11/10</a:t>
             </a:fld>
             <a:endParaRPr lang="zh-CN" altLang="en-US"/>
           </a:p>
@@ -5140,7 +5145,7 @@
           <a:p>
             <a:fld id="{B11B4ED3-F84C-4013-B545-4C98F9FFD2B5}" type="datetimeFigureOut">
               <a:rPr lang="zh-CN" altLang="en-US" smtClean="0"/>
-              <a:t>2017/11/9</a:t>
+              <a:t>17/11/10</a:t>
             </a:fld>
             <a:endParaRPr lang="zh-CN" altLang="en-US"/>
           </a:p>
@@ -5569,7 +5574,7 @@
           <a:p>
             <a:fld id="{B11B4ED3-F84C-4013-B545-4C98F9FFD2B5}" type="datetimeFigureOut">
               <a:rPr lang="zh-CN" altLang="en-US" smtClean="0"/>
-              <a:t>2017/11/9</a:t>
+              <a:t>17/11/10</a:t>
             </a:fld>
             <a:endParaRPr lang="zh-CN" altLang="en-US"/>
           </a:p>
@@ -6135,7 +6140,7 @@
           <p:cNvPr id="2" name="Title 1">
             <a:extLst>
               <a:ext uri="{FF2B5EF4-FFF2-40B4-BE49-F238E27FC236}">
-                <a16:creationId xmlns:a16="http://schemas.microsoft.com/office/drawing/2014/main" id="{895A6091-2B96-4770-B19E-4309052BDCB8}"/>
+                <a16:creationId xmlns:a16="http://schemas.microsoft.com/office/drawing/2014/main" xmlns="" id="{895A6091-2B96-4770-B19E-4309052BDCB8}"/>
               </a:ext>
             </a:extLst>
           </p:cNvPr>
@@ -6165,6 +6170,10 @@
             <a:br>
               <a:rPr lang="en-US" altLang="zh-CN" dirty="0"/>
             </a:br>
+            <a:r>
+              <a:rPr lang="en-US" altLang="zh-CN" dirty="0"/>
+              <a:t/>
+            </a:r>
             <a:br>
               <a:rPr lang="en-US" altLang="zh-CN" dirty="0"/>
             </a:br>
@@ -6172,15 +6181,31 @@
               <a:rPr lang="en-US" altLang="zh-CN" sz="3600" dirty="0"/>
               <a:t>Expedia Hotel Recommendations</a:t>
             </a:r>
+            <a:r>
+              <a:rPr lang="en-US" altLang="zh-CN" sz="1400" dirty="0"/>
+              <a:t/>
+            </a:r>
             <a:br>
               <a:rPr lang="en-US" altLang="zh-CN" sz="1400" dirty="0"/>
             </a:br>
+            <a:r>
+              <a:rPr lang="en-US" altLang="zh-CN" sz="1400" dirty="0"/>
+              <a:t/>
+            </a:r>
             <a:br>
               <a:rPr lang="en-US" altLang="zh-CN" sz="1400" dirty="0"/>
             </a:br>
+            <a:r>
+              <a:rPr lang="en-US" altLang="zh-CN" sz="1400" dirty="0"/>
+              <a:t/>
+            </a:r>
             <a:br>
               <a:rPr lang="en-US" altLang="zh-CN" sz="1400" dirty="0"/>
             </a:br>
+            <a:r>
+              <a:rPr lang="en-US" altLang="zh-CN" sz="1400" dirty="0"/>
+              <a:t/>
+            </a:r>
             <a:br>
               <a:rPr lang="en-US" altLang="zh-CN" sz="1400" dirty="0"/>
             </a:br>
@@ -6193,31 +6218,67 @@
               <a:t> </a:t>
             </a:r>
             <a:r>
-              <a:rPr lang="en-US" altLang="zh-CN" sz="1800" dirty="0" err="1"/>
+              <a:rPr lang="en-US" altLang="zh-CN" sz="1800" dirty="0" smtClean="0"/>
+              <a:t>R </a:t>
+            </a:r>
+            <a:r>
+              <a:rPr lang="en-US" altLang="zh-CN" sz="1800" dirty="0" err="1" smtClean="0"/>
               <a:t>Patil</a:t>
             </a:r>
             <a:r>
+              <a:rPr lang="en-US" altLang="zh-CN" sz="1800" dirty="0" smtClean="0"/>
+              <a:t>    </a:t>
+            </a:r>
+            <a:r>
               <a:rPr lang="en-US" altLang="zh-CN" sz="1800" dirty="0"/>
-              <a:t>    Ziqing Zhou</a:t>
+              <a:t>Ziqing Zhou</a:t>
+            </a:r>
+            <a:r>
+              <a:rPr lang="en-US" altLang="zh-CN" dirty="0"/>
+              <a:t/>
             </a:r>
             <a:br>
               <a:rPr lang="en-US" altLang="zh-CN" dirty="0"/>
             </a:br>
+            <a:r>
+              <a:rPr lang="en-US" altLang="zh-CN" dirty="0"/>
+              <a:t/>
+            </a:r>
             <a:br>
               <a:rPr lang="en-US" altLang="zh-CN" dirty="0"/>
             </a:br>
+            <a:r>
+              <a:rPr lang="en-US" altLang="zh-CN" sz="1400" dirty="0"/>
+              <a:t/>
+            </a:r>
             <a:br>
               <a:rPr lang="en-US" altLang="zh-CN" sz="1400" dirty="0"/>
             </a:br>
+            <a:r>
+              <a:rPr lang="en-US" altLang="zh-CN" sz="1400" dirty="0"/>
+              <a:t/>
+            </a:r>
             <a:br>
               <a:rPr lang="en-US" altLang="zh-CN" sz="1400" dirty="0"/>
             </a:br>
+            <a:r>
+              <a:rPr lang="en-US" altLang="zh-CN" sz="1400" dirty="0"/>
+              <a:t/>
+            </a:r>
             <a:br>
               <a:rPr lang="en-US" altLang="zh-CN" sz="1400" dirty="0"/>
             </a:br>
+            <a:r>
+              <a:rPr lang="en-US" altLang="zh-CN" sz="1400" dirty="0"/>
+              <a:t/>
+            </a:r>
             <a:br>
               <a:rPr lang="en-US" altLang="zh-CN" sz="1400" dirty="0"/>
             </a:br>
+            <a:r>
+              <a:rPr lang="en-US" altLang="zh-CN" sz="1400" dirty="0"/>
+              <a:t/>
+            </a:r>
             <a:br>
               <a:rPr lang="en-US" altLang="zh-CN" sz="1400" dirty="0"/>
             </a:br>
@@ -6293,7 +6354,7 @@
           <p:cNvPr id="4" name="Rectangle 3">
             <a:extLst>
               <a:ext uri="{FF2B5EF4-FFF2-40B4-BE49-F238E27FC236}">
-                <a16:creationId xmlns:a16="http://schemas.microsoft.com/office/drawing/2014/main" id="{9BA15C1C-E0F3-4E8A-A572-174FB6C5C5A1}"/>
+                <a16:creationId xmlns:a16="http://schemas.microsoft.com/office/drawing/2014/main" xmlns="" id="{9BA15C1C-E0F3-4E8A-A572-174FB6C5C5A1}"/>
               </a:ext>
             </a:extLst>
           </p:cNvPr>
@@ -6331,7 +6392,7 @@
           <p:cNvPr id="5" name="Picture 4">
             <a:extLst>
               <a:ext uri="{FF2B5EF4-FFF2-40B4-BE49-F238E27FC236}">
-                <a16:creationId xmlns:a16="http://schemas.microsoft.com/office/drawing/2014/main" id="{59B5E77B-E2C9-4A05-BA09-23AF734FB85D}"/>
+                <a16:creationId xmlns:a16="http://schemas.microsoft.com/office/drawing/2014/main" xmlns="" id="{59B5E77B-E2C9-4A05-BA09-23AF734FB85D}"/>
               </a:ext>
             </a:extLst>
           </p:cNvPr>
@@ -6361,7 +6422,7 @@
           <p:cNvPr id="6" name="Rectangle 5">
             <a:extLst>
               <a:ext uri="{FF2B5EF4-FFF2-40B4-BE49-F238E27FC236}">
-                <a16:creationId xmlns:a16="http://schemas.microsoft.com/office/drawing/2014/main" id="{D2C3EC66-B63F-4FB4-A63F-DB16FEA58B78}"/>
+                <a16:creationId xmlns:a16="http://schemas.microsoft.com/office/drawing/2014/main" xmlns="" id="{D2C3EC66-B63F-4FB4-A63F-DB16FEA58B78}"/>
               </a:ext>
             </a:extLst>
           </p:cNvPr>
@@ -6459,7 +6520,7 @@
           <p:cNvPr id="4" name="Rectangle 3">
             <a:extLst>
               <a:ext uri="{FF2B5EF4-FFF2-40B4-BE49-F238E27FC236}">
-                <a16:creationId xmlns:a16="http://schemas.microsoft.com/office/drawing/2014/main" id="{88779551-8DB2-4924-AFAD-1D4F5F68F02A}"/>
+                <a16:creationId xmlns:a16="http://schemas.microsoft.com/office/drawing/2014/main" xmlns="" id="{88779551-8DB2-4924-AFAD-1D4F5F68F02A}"/>
               </a:ext>
             </a:extLst>
           </p:cNvPr>
@@ -6469,7 +6530,7 @@
         <p:spPr>
           <a:xfrm>
             <a:off x="789094" y="585893"/>
-            <a:ext cx="7305040" cy="3139321"/>
+            <a:ext cx="7305040" cy="2862322"/>
           </a:xfrm>
           <a:prstGeom prst="rect">
             <a:avLst/>
@@ -6531,16 +6592,15 @@
             </a:pPr>
             <a:r>
               <a:rPr lang="en-US" altLang="zh-CN" dirty="0"/>
-              <a:t>Creating web dashboards</a:t>
-            </a:r>
-          </a:p>
-          <a:p>
-            <a:pPr marL="342900" indent="-342900">
-              <a:buAutoNum type="arabicPeriod"/>
-            </a:pPr>
+              <a:t>Creating web </a:t>
+            </a:r>
+            <a:r>
+              <a:rPr lang="en-US" altLang="zh-CN" dirty="0" smtClean="0"/>
+              <a:t>dashboards using Play Framework</a:t>
+            </a:r>
             <a:r>
               <a:rPr lang="en-US" altLang="zh-CN" dirty="0"/>
-              <a:t>if time permits. time data pipeline</a:t>
+              <a:t/>
             </a:r>
             <a:br>
               <a:rPr lang="en-US" altLang="zh-CN" dirty="0"/>
@@ -6617,7 +6677,7 @@
           <p:cNvPr id="4" name="Rectangle 3">
             <a:extLst>
               <a:ext uri="{FF2B5EF4-FFF2-40B4-BE49-F238E27FC236}">
-                <a16:creationId xmlns:a16="http://schemas.microsoft.com/office/drawing/2014/main" id="{76A1E589-EC44-4A59-B191-675E7FB9E896}"/>
+                <a16:creationId xmlns:a16="http://schemas.microsoft.com/office/drawing/2014/main" xmlns="" id="{76A1E589-EC44-4A59-B191-675E7FB9E896}"/>
               </a:ext>
             </a:extLst>
           </p:cNvPr>
@@ -6707,6 +6767,10 @@
             <a:br>
               <a:rPr lang="en-US" altLang="zh-CN" dirty="0"/>
             </a:br>
+            <a:r>
+              <a:rPr lang="en-US" altLang="zh-CN" dirty="0"/>
+              <a:t/>
+            </a:r>
             <a:br>
               <a:rPr lang="en-US" altLang="zh-CN" dirty="0"/>
             </a:br>
@@ -6719,7 +6783,7 @@
           <p:cNvPr id="5" name="Picture 4">
             <a:extLst>
               <a:ext uri="{FF2B5EF4-FFF2-40B4-BE49-F238E27FC236}">
-                <a16:creationId xmlns:a16="http://schemas.microsoft.com/office/drawing/2014/main" id="{BF627818-056B-4A17-9CDB-E34E8DEFF5C2}"/>
+                <a16:creationId xmlns:a16="http://schemas.microsoft.com/office/drawing/2014/main" xmlns="" id="{BF627818-056B-4A17-9CDB-E34E8DEFF5C2}"/>
               </a:ext>
             </a:extLst>
           </p:cNvPr>
@@ -6749,7 +6813,7 @@
           <p:cNvPr id="6" name="Picture 5">
             <a:extLst>
               <a:ext uri="{FF2B5EF4-FFF2-40B4-BE49-F238E27FC236}">
-                <a16:creationId xmlns:a16="http://schemas.microsoft.com/office/drawing/2014/main" id="{8B258575-48CE-458E-B0D6-42DEF5F01886}"/>
+                <a16:creationId xmlns:a16="http://schemas.microsoft.com/office/drawing/2014/main" xmlns="" id="{8B258575-48CE-458E-B0D6-42DEF5F01886}"/>
               </a:ext>
             </a:extLst>
           </p:cNvPr>
@@ -6842,7 +6906,7 @@
           <p:cNvPr id="4" name="Rectangle 3">
             <a:extLst>
               <a:ext uri="{FF2B5EF4-FFF2-40B4-BE49-F238E27FC236}">
-                <a16:creationId xmlns:a16="http://schemas.microsoft.com/office/drawing/2014/main" id="{FB08BF99-FA9D-4DBE-B6E1-45CCF911DAA8}"/>
+                <a16:creationId xmlns:a16="http://schemas.microsoft.com/office/drawing/2014/main" xmlns="" id="{FB08BF99-FA9D-4DBE-B6E1-45CCF911DAA8}"/>
               </a:ext>
             </a:extLst>
           </p:cNvPr>
@@ -6852,7 +6916,7 @@
         <p:spPr>
           <a:xfrm>
             <a:off x="1054947" y="988905"/>
-            <a:ext cx="8275320" cy="2031325"/>
+            <a:ext cx="8275320" cy="3693319"/>
           </a:xfrm>
           <a:prstGeom prst="rect">
             <a:avLst/>
@@ -6876,15 +6940,44 @@
             <a:endParaRPr lang="en-US" altLang="zh-CN" dirty="0"/>
           </a:p>
           <a:p>
+            <a:r>
+              <a:rPr lang="en-US" altLang="zh-CN" dirty="0" smtClean="0"/>
+              <a:t>Sprint 1: Data cleaning, Creating  clusters and Spark development environment set up , finalizing which machine leaning algorithm to use</a:t>
+            </a:r>
+          </a:p>
+          <a:p>
             <a:endParaRPr lang="en-US" altLang="zh-CN" dirty="0"/>
           </a:p>
           <a:p>
+            <a:r>
+              <a:rPr lang="en-US" altLang="zh-CN" dirty="0" smtClean="0"/>
+              <a:t>Sprint 2:  Implementing MapReduce with Spark, Implementing Machine learning with </a:t>
+            </a:r>
+            <a:r>
+              <a:rPr lang="en-US" altLang="zh-CN" dirty="0" err="1" smtClean="0"/>
+              <a:t>MLLIb</a:t>
+            </a:r>
+            <a:r>
+              <a:rPr lang="en-US" altLang="zh-CN" dirty="0" smtClean="0"/>
+              <a:t>.</a:t>
+            </a:r>
+          </a:p>
+          <a:p>
             <a:endParaRPr lang="en-US" altLang="zh-CN" dirty="0"/>
           </a:p>
           <a:p>
             <a:r>
-              <a:rPr lang="en-US" altLang="zh-CN"/>
-              <a:t>implementing </a:t>
+              <a:rPr lang="en-US" altLang="zh-CN" dirty="0" smtClean="0"/>
+              <a:t>Sprint 3: Building Web Dashboards using Play Framework</a:t>
+            </a:r>
+          </a:p>
+          <a:p>
+            <a:endParaRPr lang="en-US" altLang="zh-CN" dirty="0"/>
+          </a:p>
+          <a:p>
+            <a:r>
+              <a:rPr lang="en-US" altLang="zh-CN" dirty="0"/>
+              <a:t/>
             </a:r>
             <a:br>
               <a:rPr lang="en-US" altLang="zh-CN" dirty="0"/>
@@ -6961,7 +7054,7 @@
           <p:cNvPr id="4" name="Rectangle 3">
             <a:extLst>
               <a:ext uri="{FF2B5EF4-FFF2-40B4-BE49-F238E27FC236}">
-                <a16:creationId xmlns:a16="http://schemas.microsoft.com/office/drawing/2014/main" id="{0C9698BF-359B-4862-BD9E-B2FEBE8913E9}"/>
+                <a16:creationId xmlns:a16="http://schemas.microsoft.com/office/drawing/2014/main" xmlns="" id="{0C9698BF-359B-4862-BD9E-B2FEBE8913E9}"/>
               </a:ext>
             </a:extLst>
           </p:cNvPr>
@@ -6971,7 +7064,7 @@
         <p:spPr>
           <a:xfrm>
             <a:off x="770465" y="731503"/>
-            <a:ext cx="9220201" cy="3416320"/>
+            <a:ext cx="9220201" cy="3693319"/>
           </a:xfrm>
           <a:prstGeom prst="rect">
             <a:avLst/>
@@ -6996,25 +7089,17 @@
           </a:p>
           <a:p>
             <a:r>
-              <a:rPr lang="en-US" altLang="zh-CN" dirty="0"/>
-              <a:t>  </a:t>
-            </a:r>
-          </a:p>
-          <a:p>
-            <a:r>
-              <a:rPr lang="en-US" altLang="zh-CN" dirty="0"/>
-              <a:t>Spark </a:t>
-            </a:r>
-            <a:r>
-              <a:rPr lang="en-US" altLang="zh-CN" dirty="0" err="1"/>
-              <a:t>mlib</a:t>
-            </a:r>
-            <a:r>
-              <a:rPr lang="en-US" altLang="zh-CN" dirty="0"/>
-              <a:t> </a:t>
-            </a:r>
-          </a:p>
-          <a:p>
+              <a:rPr lang="en-US" altLang="zh-CN" dirty="0" smtClean="0"/>
+              <a:t>Data Processing in Spark (</a:t>
+            </a:r>
+            <a:r>
+              <a:rPr lang="en-US" altLang="zh-CN" dirty="0" err="1" smtClean="0"/>
+              <a:t>MaprReduce,Machine</a:t>
+            </a:r>
+            <a:r>
+              <a:rPr lang="en-US" altLang="zh-CN" dirty="0" smtClean="0"/>
+              <a:t> Learning)</a:t>
+            </a:r>
             <a:endParaRPr lang="en-US" altLang="zh-CN" dirty="0"/>
           </a:p>
           <a:p>
@@ -7031,9 +7116,28 @@
               <a:t> to create BI </a:t>
             </a:r>
             <a:r>
+              <a:rPr lang="en-US" altLang="zh-CN" dirty="0" smtClean="0"/>
+              <a:t>dashboards</a:t>
+            </a:r>
+          </a:p>
+          <a:p>
+            <a:endParaRPr lang="en-US" altLang="zh-CN" dirty="0" smtClean="0"/>
+          </a:p>
+          <a:p>
+            <a:r>
+              <a:rPr lang="en-US" altLang="zh-CN" dirty="0"/>
+              <a:t>https://</a:t>
+            </a:r>
+            <a:r>
               <a:rPr lang="en-US" altLang="zh-CN" dirty="0" err="1"/>
-              <a:t>dashboar</a:t>
-            </a:r>
+              <a:t>github.com</a:t>
+            </a:r>
+            <a:r>
+              <a:rPr lang="en-US" altLang="zh-CN" dirty="0"/>
+              <a:t>/Ruchi2729/Scala-Final-Project</a:t>
+            </a:r>
+          </a:p>
+          <a:p>
             <a:endParaRPr lang="en-US" altLang="zh-CN" dirty="0"/>
           </a:p>
           <a:p>
@@ -7046,6 +7150,10 @@
             <a:endParaRPr lang="en-US" altLang="zh-CN" dirty="0"/>
           </a:p>
           <a:p>
+            <a:r>
+              <a:rPr lang="en-US" altLang="zh-CN" dirty="0"/>
+              <a:t/>
+            </a:r>
             <a:br>
               <a:rPr lang="en-US" altLang="zh-CN" dirty="0"/>
             </a:br>
@@ -7121,7 +7229,7 @@
           <p:cNvPr id="4" name="Rectangle 3">
             <a:extLst>
               <a:ext uri="{FF2B5EF4-FFF2-40B4-BE49-F238E27FC236}">
-                <a16:creationId xmlns:a16="http://schemas.microsoft.com/office/drawing/2014/main" id="{09095AB5-F0F6-4611-81DB-A4870DE65ABD}"/>
+                <a16:creationId xmlns:a16="http://schemas.microsoft.com/office/drawing/2014/main" xmlns="" id="{09095AB5-F0F6-4611-81DB-A4870DE65ABD}"/>
               </a:ext>
             </a:extLst>
           </p:cNvPr>
@@ -7159,7 +7267,7 @@
           <p:cNvPr id="6" name="Rectangle 5">
             <a:extLst>
               <a:ext uri="{FF2B5EF4-FFF2-40B4-BE49-F238E27FC236}">
-                <a16:creationId xmlns:a16="http://schemas.microsoft.com/office/drawing/2014/main" id="{445E0328-CE2F-4A91-A719-6FC066FB9003}"/>
+                <a16:creationId xmlns:a16="http://schemas.microsoft.com/office/drawing/2014/main" xmlns="" id="{445E0328-CE2F-4A91-A719-6FC066FB9003}"/>
               </a:ext>
             </a:extLst>
           </p:cNvPr>
@@ -7169,7 +7277,7 @@
         <p:spPr>
           <a:xfrm>
             <a:off x="668866" y="1778970"/>
-            <a:ext cx="10574867" cy="1200329"/>
+            <a:ext cx="10574867" cy="1477328"/>
           </a:xfrm>
           <a:prstGeom prst="rect">
             <a:avLst/>
@@ -7182,59 +7290,39 @@
           <a:lstStyle/>
           <a:p>
             <a:r>
+              <a:rPr lang="en-US" altLang="zh-CN" dirty="0" smtClean="0"/>
+              <a:t>Consuming </a:t>
+            </a:r>
+            <a:r>
               <a:rPr lang="en-US" altLang="zh-CN" dirty="0"/>
-              <a:t>Data clean and process</a:t>
-            </a:r>
-          </a:p>
-          <a:p>
-            <a:r>
-              <a:rPr lang="en-US" altLang="zh-CN" dirty="0"/>
-              <a:t>Consuming apache spark </a:t>
-            </a:r>
-            <a:r>
-              <a:rPr lang="en-US" altLang="zh-CN" dirty="0" err="1"/>
-              <a:t>mlib</a:t>
-            </a:r>
-            <a:r>
-              <a:rPr lang="en-US" altLang="zh-CN" dirty="0"/>
-              <a:t> </a:t>
-            </a:r>
-            <a:r>
-              <a:rPr lang="en-US" altLang="zh-CN" dirty="0" err="1"/>
-              <a:t>mapreduce</a:t>
-            </a:r>
-            <a:r>
-              <a:rPr lang="en-US" altLang="zh-CN" dirty="0"/>
-              <a:t> and spark </a:t>
-            </a:r>
-            <a:r>
-              <a:rPr lang="en-US" altLang="zh-CN" dirty="0" err="1"/>
-              <a:t>sql</a:t>
-            </a:r>
-            <a:r>
-              <a:rPr lang="en-US" altLang="zh-CN" dirty="0"/>
-              <a:t> and </a:t>
-            </a:r>
-          </a:p>
-          <a:p>
-            <a:r>
-              <a:rPr lang="en-US" altLang="zh-CN" dirty="0"/>
-              <a:t>Calculating Rating Matrix </a:t>
-            </a:r>
-          </a:p>
-          <a:p>
-            <a:r>
-              <a:rPr lang="en-US" altLang="zh-CN" dirty="0"/>
-              <a:t>Successfully recommend different type of hotel according to </a:t>
-            </a:r>
-            <a:r>
-              <a:rPr lang="en-US" altLang="zh-CN" dirty="0" err="1"/>
-              <a:t>tht</a:t>
-            </a:r>
-            <a:r>
-              <a:rPr lang="en-US" altLang="zh-CN" dirty="0"/>
-              <a:t> different type of costumers.</a:t>
-            </a:r>
+              <a:t>apache spark </a:t>
+            </a:r>
+            <a:r>
+              <a:rPr lang="en-US" altLang="zh-CN" dirty="0" err="1" smtClean="0"/>
+              <a:t>MLLib</a:t>
+            </a:r>
+            <a:r>
+              <a:rPr lang="en-US" altLang="zh-CN" dirty="0" smtClean="0"/>
+              <a:t> for machine learning</a:t>
+            </a:r>
+          </a:p>
+          <a:p>
+            <a:r>
+              <a:rPr lang="en-US" altLang="zh-CN" dirty="0" smtClean="0"/>
+              <a:t>Implementing MapReduce for recommendations and for descriptive analysis.</a:t>
+            </a:r>
+          </a:p>
+          <a:p>
+            <a:r>
+              <a:rPr lang="en-US" altLang="zh-CN" dirty="0" smtClean="0"/>
+              <a:t>Creating Interactive web Dashboard using Play Framework</a:t>
+            </a:r>
+            <a:endParaRPr lang="en-US" altLang="zh-CN" dirty="0" smtClean="0"/>
+          </a:p>
+          <a:p>
+            <a:endParaRPr lang="en-US" altLang="zh-CN" dirty="0" smtClean="0"/>
+          </a:p>
+          <a:p>
             <a:endParaRPr lang="zh-CN" altLang="en-US" dirty="0"/>
           </a:p>
         </p:txBody>
@@ -7307,7 +7395,7 @@
           <p:cNvPr id="4" name="Rectangle 3">
             <a:extLst>
               <a:ext uri="{FF2B5EF4-FFF2-40B4-BE49-F238E27FC236}">
-                <a16:creationId xmlns:a16="http://schemas.microsoft.com/office/drawing/2014/main" id="{9EE7464C-C12A-40F5-B569-FB89ED9FFD59}"/>
+                <a16:creationId xmlns:a16="http://schemas.microsoft.com/office/drawing/2014/main" xmlns="" id="{9EE7464C-C12A-40F5-B569-FB89ED9FFD59}"/>
               </a:ext>
             </a:extLst>
           </p:cNvPr>
@@ -7350,7 +7438,7 @@
           <p:cNvPr id="5" name="Rectangle 4">
             <a:extLst>
               <a:ext uri="{FF2B5EF4-FFF2-40B4-BE49-F238E27FC236}">
-                <a16:creationId xmlns:a16="http://schemas.microsoft.com/office/drawing/2014/main" id="{0226F5C2-4D85-4C8F-8038-4CBC2CFF2CFC}"/>
+                <a16:creationId xmlns:a16="http://schemas.microsoft.com/office/drawing/2014/main" xmlns="" id="{0226F5C2-4D85-4C8F-8038-4CBC2CFF2CFC}"/>
               </a:ext>
             </a:extLst>
           </p:cNvPr>
@@ -7360,7 +7448,7 @@
         <p:spPr>
           <a:xfrm>
             <a:off x="651932" y="1287903"/>
-            <a:ext cx="10473267" cy="646331"/>
+            <a:ext cx="10473267" cy="1754326"/>
           </a:xfrm>
           <a:prstGeom prst="rect">
             <a:avLst/>
@@ -7388,6 +7476,19 @@
               <a:rPr lang="zh-CN" altLang="en-US" dirty="0"/>
               <a:t> is to predict the booking outcome (hotel cluster) for a user event, based on their search and other attributes associated with that user event. </a:t>
             </a:r>
+            <a:endParaRPr lang="en-US" altLang="zh-CN" dirty="0" smtClean="0"/>
+          </a:p>
+          <a:p>
+            <a:endParaRPr lang="en-US" altLang="zh-CN" dirty="0"/>
+          </a:p>
+          <a:p>
+            <a:r>
+              <a:rPr lang="en-US" altLang="zh-CN" dirty="0" smtClean="0"/>
+              <a:t>Prediction and recommendation using Machine learning and MapReduce consuming Spark APIS </a:t>
+            </a:r>
+          </a:p>
+          <a:p>
+            <a:endParaRPr lang="zh-CN" altLang="en-US" dirty="0"/>
           </a:p>
         </p:txBody>
       </p:sp>

--- a/Final pre.pptx
+++ b/Final pre.pptx
@@ -6140,7 +6140,7 @@
           <p:cNvPr id="2" name="Title 1">
             <a:extLst>
               <a:ext uri="{FF2B5EF4-FFF2-40B4-BE49-F238E27FC236}">
-                <a16:creationId xmlns:a16="http://schemas.microsoft.com/office/drawing/2014/main" xmlns="" id="{895A6091-2B96-4770-B19E-4309052BDCB8}"/>
+                <a16:creationId xmlns="" xmlns:a16="http://schemas.microsoft.com/office/drawing/2014/main" id="{895A6091-2B96-4770-B19E-4309052BDCB8}"/>
               </a:ext>
             </a:extLst>
           </p:cNvPr>
@@ -6219,7 +6219,7 @@
             </a:r>
             <a:r>
               <a:rPr lang="en-US" altLang="zh-CN" sz="1800" dirty="0" smtClean="0"/>
-              <a:t>R </a:t>
+              <a:t>R. </a:t>
             </a:r>
             <a:r>
               <a:rPr lang="en-US" altLang="zh-CN" sz="1800" dirty="0" err="1" smtClean="0"/>
@@ -6354,7 +6354,7 @@
           <p:cNvPr id="4" name="Rectangle 3">
             <a:extLst>
               <a:ext uri="{FF2B5EF4-FFF2-40B4-BE49-F238E27FC236}">
-                <a16:creationId xmlns:a16="http://schemas.microsoft.com/office/drawing/2014/main" xmlns="" id="{9BA15C1C-E0F3-4E8A-A572-174FB6C5C5A1}"/>
+                <a16:creationId xmlns="" xmlns:a16="http://schemas.microsoft.com/office/drawing/2014/main" id="{9BA15C1C-E0F3-4E8A-A572-174FB6C5C5A1}"/>
               </a:ext>
             </a:extLst>
           </p:cNvPr>
@@ -6392,7 +6392,7 @@
           <p:cNvPr id="5" name="Picture 4">
             <a:extLst>
               <a:ext uri="{FF2B5EF4-FFF2-40B4-BE49-F238E27FC236}">
-                <a16:creationId xmlns:a16="http://schemas.microsoft.com/office/drawing/2014/main" xmlns="" id="{59B5E77B-E2C9-4A05-BA09-23AF734FB85D}"/>
+                <a16:creationId xmlns="" xmlns:a16="http://schemas.microsoft.com/office/drawing/2014/main" id="{59B5E77B-E2C9-4A05-BA09-23AF734FB85D}"/>
               </a:ext>
             </a:extLst>
           </p:cNvPr>
@@ -6409,7 +6409,7 @@
         </p:blipFill>
         <p:spPr>
           <a:xfrm>
-            <a:off x="401320" y="2121486"/>
+            <a:off x="401320" y="2900420"/>
             <a:ext cx="6919940" cy="3315230"/>
           </a:xfrm>
           <a:prstGeom prst="rect">
@@ -6422,7 +6422,7 @@
           <p:cNvPr id="6" name="Rectangle 5">
             <a:extLst>
               <a:ext uri="{FF2B5EF4-FFF2-40B4-BE49-F238E27FC236}">
-                <a16:creationId xmlns:a16="http://schemas.microsoft.com/office/drawing/2014/main" xmlns="" id="{D2C3EC66-B63F-4FB4-A63F-DB16FEA58B78}"/>
+                <a16:creationId xmlns="" xmlns:a16="http://schemas.microsoft.com/office/drawing/2014/main" id="{D2C3EC66-B63F-4FB4-A63F-DB16FEA58B78}"/>
               </a:ext>
             </a:extLst>
           </p:cNvPr>
@@ -6432,7 +6432,7 @@
         <p:spPr>
           <a:xfrm>
             <a:off x="401320" y="1345754"/>
-            <a:ext cx="5698996" cy="369332"/>
+            <a:ext cx="7167347" cy="1200329"/>
           </a:xfrm>
           <a:prstGeom prst="rect">
             <a:avLst/>
@@ -6446,9 +6446,31 @@
           <a:p>
             <a:pPr fontAlgn="base"/>
             <a:r>
-              <a:rPr lang="en-US" altLang="zh-CN" dirty="0"/>
-              <a:t>Which hotel type will an Expedia customer book?</a:t>
-            </a:r>
+              <a:rPr lang="en-US" altLang="zh-CN" dirty="0" smtClean="0"/>
+              <a:t>1)Displaying Hotel Recommendations for current user</a:t>
+            </a:r>
+          </a:p>
+          <a:p>
+            <a:pPr fontAlgn="base"/>
+            <a:r>
+              <a:rPr lang="en-US" altLang="zh-CN" dirty="0" smtClean="0"/>
+              <a:t>2)Displaying Recommendations based on different user inputs.</a:t>
+            </a:r>
+          </a:p>
+          <a:p>
+            <a:pPr fontAlgn="base"/>
+            <a:r>
+              <a:rPr lang="en-US" altLang="zh-CN" dirty="0" smtClean="0"/>
+              <a:t>3)BI and descriptive  Analysis </a:t>
+            </a:r>
+          </a:p>
+          <a:p>
+            <a:pPr fontAlgn="base"/>
+            <a:r>
+              <a:rPr lang="en-US" altLang="zh-CN" dirty="0" smtClean="0"/>
+              <a:t>4)Predicting which hotels will customer choose.</a:t>
+            </a:r>
+            <a:endParaRPr lang="en-US" altLang="zh-CN" dirty="0"/>
           </a:p>
         </p:txBody>
       </p:sp>
@@ -6520,7 +6542,7 @@
           <p:cNvPr id="4" name="Rectangle 3">
             <a:extLst>
               <a:ext uri="{FF2B5EF4-FFF2-40B4-BE49-F238E27FC236}">
-                <a16:creationId xmlns:a16="http://schemas.microsoft.com/office/drawing/2014/main" xmlns="" id="{88779551-8DB2-4924-AFAD-1D4F5F68F02A}"/>
+                <a16:creationId xmlns="" xmlns:a16="http://schemas.microsoft.com/office/drawing/2014/main" id="{88779551-8DB2-4924-AFAD-1D4F5F68F02A}"/>
               </a:ext>
             </a:extLst>
           </p:cNvPr>
@@ -6677,7 +6699,7 @@
           <p:cNvPr id="4" name="Rectangle 3">
             <a:extLst>
               <a:ext uri="{FF2B5EF4-FFF2-40B4-BE49-F238E27FC236}">
-                <a16:creationId xmlns:a16="http://schemas.microsoft.com/office/drawing/2014/main" xmlns="" id="{76A1E589-EC44-4A59-B191-675E7FB9E896}"/>
+                <a16:creationId xmlns="" xmlns:a16="http://schemas.microsoft.com/office/drawing/2014/main" id="{76A1E589-EC44-4A59-B191-675E7FB9E896}"/>
               </a:ext>
             </a:extLst>
           </p:cNvPr>
@@ -6783,7 +6805,7 @@
           <p:cNvPr id="5" name="Picture 4">
             <a:extLst>
               <a:ext uri="{FF2B5EF4-FFF2-40B4-BE49-F238E27FC236}">
-                <a16:creationId xmlns:a16="http://schemas.microsoft.com/office/drawing/2014/main" xmlns="" id="{BF627818-056B-4A17-9CDB-E34E8DEFF5C2}"/>
+                <a16:creationId xmlns="" xmlns:a16="http://schemas.microsoft.com/office/drawing/2014/main" id="{BF627818-056B-4A17-9CDB-E34E8DEFF5C2}"/>
               </a:ext>
             </a:extLst>
           </p:cNvPr>
@@ -6813,7 +6835,7 @@
           <p:cNvPr id="6" name="Picture 5">
             <a:extLst>
               <a:ext uri="{FF2B5EF4-FFF2-40B4-BE49-F238E27FC236}">
-                <a16:creationId xmlns:a16="http://schemas.microsoft.com/office/drawing/2014/main" xmlns="" id="{8B258575-48CE-458E-B0D6-42DEF5F01886}"/>
+                <a16:creationId xmlns="" xmlns:a16="http://schemas.microsoft.com/office/drawing/2014/main" id="{8B258575-48CE-458E-B0D6-42DEF5F01886}"/>
               </a:ext>
             </a:extLst>
           </p:cNvPr>
@@ -6906,7 +6928,7 @@
           <p:cNvPr id="4" name="Rectangle 3">
             <a:extLst>
               <a:ext uri="{FF2B5EF4-FFF2-40B4-BE49-F238E27FC236}">
-                <a16:creationId xmlns:a16="http://schemas.microsoft.com/office/drawing/2014/main" xmlns="" id="{FB08BF99-FA9D-4DBE-B6E1-45CCF911DAA8}"/>
+                <a16:creationId xmlns="" xmlns:a16="http://schemas.microsoft.com/office/drawing/2014/main" id="{FB08BF99-FA9D-4DBE-B6E1-45CCF911DAA8}"/>
               </a:ext>
             </a:extLst>
           </p:cNvPr>
@@ -7054,7 +7076,7 @@
           <p:cNvPr id="4" name="Rectangle 3">
             <a:extLst>
               <a:ext uri="{FF2B5EF4-FFF2-40B4-BE49-F238E27FC236}">
-                <a16:creationId xmlns:a16="http://schemas.microsoft.com/office/drawing/2014/main" xmlns="" id="{0C9698BF-359B-4862-BD9E-B2FEBE8913E9}"/>
+                <a16:creationId xmlns="" xmlns:a16="http://schemas.microsoft.com/office/drawing/2014/main" id="{0C9698BF-359B-4862-BD9E-B2FEBE8913E9}"/>
               </a:ext>
             </a:extLst>
           </p:cNvPr>
@@ -7229,7 +7251,7 @@
           <p:cNvPr id="4" name="Rectangle 3">
             <a:extLst>
               <a:ext uri="{FF2B5EF4-FFF2-40B4-BE49-F238E27FC236}">
-                <a16:creationId xmlns:a16="http://schemas.microsoft.com/office/drawing/2014/main" xmlns="" id="{09095AB5-F0F6-4611-81DB-A4870DE65ABD}"/>
+                <a16:creationId xmlns="" xmlns:a16="http://schemas.microsoft.com/office/drawing/2014/main" id="{09095AB5-F0F6-4611-81DB-A4870DE65ABD}"/>
               </a:ext>
             </a:extLst>
           </p:cNvPr>
@@ -7267,7 +7289,7 @@
           <p:cNvPr id="6" name="Rectangle 5">
             <a:extLst>
               <a:ext uri="{FF2B5EF4-FFF2-40B4-BE49-F238E27FC236}">
-                <a16:creationId xmlns:a16="http://schemas.microsoft.com/office/drawing/2014/main" xmlns="" id="{445E0328-CE2F-4A91-A719-6FC066FB9003}"/>
+                <a16:creationId xmlns="" xmlns:a16="http://schemas.microsoft.com/office/drawing/2014/main" id="{445E0328-CE2F-4A91-A719-6FC066FB9003}"/>
               </a:ext>
             </a:extLst>
           </p:cNvPr>
@@ -7277,7 +7299,7 @@
         <p:spPr>
           <a:xfrm>
             <a:off x="668866" y="1778970"/>
-            <a:ext cx="10574867" cy="1477328"/>
+            <a:ext cx="10574867" cy="1754326"/>
           </a:xfrm>
           <a:prstGeom prst="rect">
             <a:avLst/>
@@ -7303,8 +7325,13 @@
             </a:r>
             <a:r>
               <a:rPr lang="en-US" altLang="zh-CN" dirty="0" smtClean="0"/>
-              <a:t> for machine learning</a:t>
-            </a:r>
+              <a:t> for machine </a:t>
+            </a:r>
+            <a:r>
+              <a:rPr lang="en-US" altLang="zh-CN" dirty="0" smtClean="0"/>
+              <a:t>learning and achieving at least 65% of accuracy  </a:t>
+            </a:r>
+            <a:endParaRPr lang="en-US" altLang="zh-CN" dirty="0" smtClean="0"/>
           </a:p>
           <a:p>
             <a:r>
@@ -7315,7 +7342,11 @@
           <a:p>
             <a:r>
               <a:rPr lang="en-US" altLang="zh-CN" dirty="0" smtClean="0"/>
-              <a:t>Creating Interactive web Dashboard using Play Framework</a:t>
+              <a:t>Creating Interactive web Dashboard using Play </a:t>
+            </a:r>
+            <a:r>
+              <a:rPr lang="en-US" altLang="zh-CN" dirty="0" smtClean="0"/>
+              <a:t>Framework(IF TIME PERMITS)</a:t>
             </a:r>
             <a:endParaRPr lang="en-US" altLang="zh-CN" dirty="0" smtClean="0"/>
           </a:p>
@@ -7395,7 +7426,7 @@
           <p:cNvPr id="4" name="Rectangle 3">
             <a:extLst>
               <a:ext uri="{FF2B5EF4-FFF2-40B4-BE49-F238E27FC236}">
-                <a16:creationId xmlns:a16="http://schemas.microsoft.com/office/drawing/2014/main" xmlns="" id="{9EE7464C-C12A-40F5-B569-FB89ED9FFD59}"/>
+                <a16:creationId xmlns="" xmlns:a16="http://schemas.microsoft.com/office/drawing/2014/main" id="{9EE7464C-C12A-40F5-B569-FB89ED9FFD59}"/>
               </a:ext>
             </a:extLst>
           </p:cNvPr>
@@ -7438,7 +7469,7 @@
           <p:cNvPr id="5" name="Rectangle 4">
             <a:extLst>
               <a:ext uri="{FF2B5EF4-FFF2-40B4-BE49-F238E27FC236}">
-                <a16:creationId xmlns:a16="http://schemas.microsoft.com/office/drawing/2014/main" xmlns="" id="{0226F5C2-4D85-4C8F-8038-4CBC2CFF2CFC}"/>
+                <a16:creationId xmlns="" xmlns:a16="http://schemas.microsoft.com/office/drawing/2014/main" id="{0226F5C2-4D85-4C8F-8038-4CBC2CFF2CFC}"/>
               </a:ext>
             </a:extLst>
           </p:cNvPr>

--- a/Final pre.pptx
+++ b/Final pre.pptx
@@ -6140,7 +6140,7 @@
           <p:cNvPr id="2" name="Title 1">
             <a:extLst>
               <a:ext uri="{FF2B5EF4-FFF2-40B4-BE49-F238E27FC236}">
-                <a16:creationId xmlns:a16="http://schemas.microsoft.com/office/drawing/2014/main" xmlns="" id="{895A6091-2B96-4770-B19E-4309052BDCB8}"/>
+                <a16:creationId xmlns="" xmlns:a16="http://schemas.microsoft.com/office/drawing/2014/main" id="{895A6091-2B96-4770-B19E-4309052BDCB8}"/>
               </a:ext>
             </a:extLst>
           </p:cNvPr>
@@ -6354,7 +6354,7 @@
           <p:cNvPr id="4" name="Rectangle 3">
             <a:extLst>
               <a:ext uri="{FF2B5EF4-FFF2-40B4-BE49-F238E27FC236}">
-                <a16:creationId xmlns:a16="http://schemas.microsoft.com/office/drawing/2014/main" xmlns="" id="{9BA15C1C-E0F3-4E8A-A572-174FB6C5C5A1}"/>
+                <a16:creationId xmlns="" xmlns:a16="http://schemas.microsoft.com/office/drawing/2014/main" id="{9BA15C1C-E0F3-4E8A-A572-174FB6C5C5A1}"/>
               </a:ext>
             </a:extLst>
           </p:cNvPr>
@@ -6392,7 +6392,7 @@
           <p:cNvPr id="5" name="Picture 4">
             <a:extLst>
               <a:ext uri="{FF2B5EF4-FFF2-40B4-BE49-F238E27FC236}">
-                <a16:creationId xmlns:a16="http://schemas.microsoft.com/office/drawing/2014/main" xmlns="" id="{59B5E77B-E2C9-4A05-BA09-23AF734FB85D}"/>
+                <a16:creationId xmlns="" xmlns:a16="http://schemas.microsoft.com/office/drawing/2014/main" id="{59B5E77B-E2C9-4A05-BA09-23AF734FB85D}"/>
               </a:ext>
             </a:extLst>
           </p:cNvPr>
@@ -6409,7 +6409,7 @@
         </p:blipFill>
         <p:spPr>
           <a:xfrm>
-            <a:off x="401320" y="2121486"/>
+            <a:off x="401320" y="2900420"/>
             <a:ext cx="6919940" cy="3315230"/>
           </a:xfrm>
           <a:prstGeom prst="rect">
@@ -6422,7 +6422,7 @@
           <p:cNvPr id="6" name="Rectangle 5">
             <a:extLst>
               <a:ext uri="{FF2B5EF4-FFF2-40B4-BE49-F238E27FC236}">
-                <a16:creationId xmlns:a16="http://schemas.microsoft.com/office/drawing/2014/main" xmlns="" id="{D2C3EC66-B63F-4FB4-A63F-DB16FEA58B78}"/>
+                <a16:creationId xmlns="" xmlns:a16="http://schemas.microsoft.com/office/drawing/2014/main" id="{D2C3EC66-B63F-4FB4-A63F-DB16FEA58B78}"/>
               </a:ext>
             </a:extLst>
           </p:cNvPr>
@@ -6432,7 +6432,7 @@
         <p:spPr>
           <a:xfrm>
             <a:off x="401320" y="1345754"/>
-            <a:ext cx="5698996" cy="369332"/>
+            <a:ext cx="7167347" cy="1200329"/>
           </a:xfrm>
           <a:prstGeom prst="rect">
             <a:avLst/>
@@ -6446,9 +6446,35 @@
           <a:p>
             <a:pPr fontAlgn="base"/>
             <a:r>
-              <a:rPr lang="en-US" altLang="zh-CN" dirty="0"/>
-              <a:t>Which hotel type will an Expedia customer book?</a:t>
-            </a:r>
+              <a:rPr lang="en-US" altLang="zh-CN" dirty="0" smtClean="0"/>
+              <a:t>1)Displaying Hotel Recommendations for current user</a:t>
+            </a:r>
+          </a:p>
+          <a:p>
+            <a:pPr fontAlgn="base"/>
+            <a:r>
+              <a:rPr lang="en-US" altLang="zh-CN" dirty="0" smtClean="0"/>
+              <a:t>2)Displaying Recommendations based on different user inputs.</a:t>
+            </a:r>
+          </a:p>
+          <a:p>
+            <a:pPr fontAlgn="base"/>
+            <a:r>
+              <a:rPr lang="en-US" altLang="zh-CN" dirty="0" smtClean="0"/>
+              <a:t>3)BI and descriptive  Analysis </a:t>
+            </a:r>
+          </a:p>
+          <a:p>
+            <a:pPr fontAlgn="base"/>
+            <a:r>
+              <a:rPr lang="en-US" altLang="zh-CN" dirty="0" smtClean="0"/>
+              <a:t>4)Predicting which hotels </a:t>
+            </a:r>
+            <a:r>
+              <a:rPr lang="en-US" altLang="zh-CN" smtClean="0"/>
+              <a:t>will customer choose.</a:t>
+            </a:r>
+            <a:endParaRPr lang="en-US" altLang="zh-CN" dirty="0"/>
           </a:p>
         </p:txBody>
       </p:sp>
@@ -6520,7 +6546,7 @@
           <p:cNvPr id="4" name="Rectangle 3">
             <a:extLst>
               <a:ext uri="{FF2B5EF4-FFF2-40B4-BE49-F238E27FC236}">
-                <a16:creationId xmlns:a16="http://schemas.microsoft.com/office/drawing/2014/main" xmlns="" id="{88779551-8DB2-4924-AFAD-1D4F5F68F02A}"/>
+                <a16:creationId xmlns="" xmlns:a16="http://schemas.microsoft.com/office/drawing/2014/main" id="{88779551-8DB2-4924-AFAD-1D4F5F68F02A}"/>
               </a:ext>
             </a:extLst>
           </p:cNvPr>
@@ -6677,7 +6703,7 @@
           <p:cNvPr id="4" name="Rectangle 3">
             <a:extLst>
               <a:ext uri="{FF2B5EF4-FFF2-40B4-BE49-F238E27FC236}">
-                <a16:creationId xmlns:a16="http://schemas.microsoft.com/office/drawing/2014/main" xmlns="" id="{76A1E589-EC44-4A59-B191-675E7FB9E896}"/>
+                <a16:creationId xmlns="" xmlns:a16="http://schemas.microsoft.com/office/drawing/2014/main" id="{76A1E589-EC44-4A59-B191-675E7FB9E896}"/>
               </a:ext>
             </a:extLst>
           </p:cNvPr>
@@ -6783,7 +6809,7 @@
           <p:cNvPr id="5" name="Picture 4">
             <a:extLst>
               <a:ext uri="{FF2B5EF4-FFF2-40B4-BE49-F238E27FC236}">
-                <a16:creationId xmlns:a16="http://schemas.microsoft.com/office/drawing/2014/main" xmlns="" id="{BF627818-056B-4A17-9CDB-E34E8DEFF5C2}"/>
+                <a16:creationId xmlns="" xmlns:a16="http://schemas.microsoft.com/office/drawing/2014/main" id="{BF627818-056B-4A17-9CDB-E34E8DEFF5C2}"/>
               </a:ext>
             </a:extLst>
           </p:cNvPr>
@@ -6813,7 +6839,7 @@
           <p:cNvPr id="6" name="Picture 5">
             <a:extLst>
               <a:ext uri="{FF2B5EF4-FFF2-40B4-BE49-F238E27FC236}">
-                <a16:creationId xmlns:a16="http://schemas.microsoft.com/office/drawing/2014/main" xmlns="" id="{8B258575-48CE-458E-B0D6-42DEF5F01886}"/>
+                <a16:creationId xmlns="" xmlns:a16="http://schemas.microsoft.com/office/drawing/2014/main" id="{8B258575-48CE-458E-B0D6-42DEF5F01886}"/>
               </a:ext>
             </a:extLst>
           </p:cNvPr>
@@ -6906,7 +6932,7 @@
           <p:cNvPr id="4" name="Rectangle 3">
             <a:extLst>
               <a:ext uri="{FF2B5EF4-FFF2-40B4-BE49-F238E27FC236}">
-                <a16:creationId xmlns:a16="http://schemas.microsoft.com/office/drawing/2014/main" xmlns="" id="{FB08BF99-FA9D-4DBE-B6E1-45CCF911DAA8}"/>
+                <a16:creationId xmlns="" xmlns:a16="http://schemas.microsoft.com/office/drawing/2014/main" id="{FB08BF99-FA9D-4DBE-B6E1-45CCF911DAA8}"/>
               </a:ext>
             </a:extLst>
           </p:cNvPr>
@@ -7054,7 +7080,7 @@
           <p:cNvPr id="4" name="Rectangle 3">
             <a:extLst>
               <a:ext uri="{FF2B5EF4-FFF2-40B4-BE49-F238E27FC236}">
-                <a16:creationId xmlns:a16="http://schemas.microsoft.com/office/drawing/2014/main" xmlns="" id="{0C9698BF-359B-4862-BD9E-B2FEBE8913E9}"/>
+                <a16:creationId xmlns="" xmlns:a16="http://schemas.microsoft.com/office/drawing/2014/main" id="{0C9698BF-359B-4862-BD9E-B2FEBE8913E9}"/>
               </a:ext>
             </a:extLst>
           </p:cNvPr>
@@ -7229,7 +7255,7 @@
           <p:cNvPr id="4" name="Rectangle 3">
             <a:extLst>
               <a:ext uri="{FF2B5EF4-FFF2-40B4-BE49-F238E27FC236}">
-                <a16:creationId xmlns:a16="http://schemas.microsoft.com/office/drawing/2014/main" xmlns="" id="{09095AB5-F0F6-4611-81DB-A4870DE65ABD}"/>
+                <a16:creationId xmlns="" xmlns:a16="http://schemas.microsoft.com/office/drawing/2014/main" id="{09095AB5-F0F6-4611-81DB-A4870DE65ABD}"/>
               </a:ext>
             </a:extLst>
           </p:cNvPr>
@@ -7267,7 +7293,7 @@
           <p:cNvPr id="6" name="Rectangle 5">
             <a:extLst>
               <a:ext uri="{FF2B5EF4-FFF2-40B4-BE49-F238E27FC236}">
-                <a16:creationId xmlns:a16="http://schemas.microsoft.com/office/drawing/2014/main" xmlns="" id="{445E0328-CE2F-4A91-A719-6FC066FB9003}"/>
+                <a16:creationId xmlns="" xmlns:a16="http://schemas.microsoft.com/office/drawing/2014/main" id="{445E0328-CE2F-4A91-A719-6FC066FB9003}"/>
               </a:ext>
             </a:extLst>
           </p:cNvPr>
@@ -7315,7 +7341,11 @@
           <a:p>
             <a:r>
               <a:rPr lang="en-US" altLang="zh-CN" dirty="0" smtClean="0"/>
-              <a:t>Creating Interactive web Dashboard using Play Framework</a:t>
+              <a:t>Creating Interactive web Dashboard using Play </a:t>
+            </a:r>
+            <a:r>
+              <a:rPr lang="en-US" altLang="zh-CN" dirty="0" smtClean="0"/>
+              <a:t>Framework(IF TIME PERMITS)</a:t>
             </a:r>
             <a:endParaRPr lang="en-US" altLang="zh-CN" dirty="0" smtClean="0"/>
           </a:p>
@@ -7395,7 +7425,7 @@
           <p:cNvPr id="4" name="Rectangle 3">
             <a:extLst>
               <a:ext uri="{FF2B5EF4-FFF2-40B4-BE49-F238E27FC236}">
-                <a16:creationId xmlns:a16="http://schemas.microsoft.com/office/drawing/2014/main" xmlns="" id="{9EE7464C-C12A-40F5-B569-FB89ED9FFD59}"/>
+                <a16:creationId xmlns="" xmlns:a16="http://schemas.microsoft.com/office/drawing/2014/main" id="{9EE7464C-C12A-40F5-B569-FB89ED9FFD59}"/>
               </a:ext>
             </a:extLst>
           </p:cNvPr>
@@ -7438,7 +7468,7 @@
           <p:cNvPr id="5" name="Rectangle 4">
             <a:extLst>
               <a:ext uri="{FF2B5EF4-FFF2-40B4-BE49-F238E27FC236}">
-                <a16:creationId xmlns:a16="http://schemas.microsoft.com/office/drawing/2014/main" xmlns="" id="{0226F5C2-4D85-4C8F-8038-4CBC2CFF2CFC}"/>
+                <a16:creationId xmlns="" xmlns:a16="http://schemas.microsoft.com/office/drawing/2014/main" id="{0226F5C2-4D85-4C8F-8038-4CBC2CFF2CFC}"/>
               </a:ext>
             </a:extLst>
           </p:cNvPr>

--- a/Final pre.pptx
+++ b/Final pre.pptx
@@ -6552,7 +6552,7 @@
         <p:spPr>
           <a:xfrm>
             <a:off x="789094" y="585893"/>
-            <a:ext cx="7305040" cy="2862322"/>
+            <a:ext cx="7305040" cy="3139321"/>
           </a:xfrm>
           <a:prstGeom prst="rect">
             <a:avLst/>
@@ -6589,15 +6589,21 @@
               <a:rPr lang="en-US" altLang="zh-CN" dirty="0"/>
               <a:t>Recommendation </a:t>
             </a:r>
+            <a:r>
+              <a:rPr lang="en-US" altLang="zh-CN" dirty="0" smtClean="0"/>
+              <a:t>(MapReduce)</a:t>
+            </a:r>
+            <a:endParaRPr lang="en-US" altLang="zh-CN" dirty="0"/>
           </a:p>
           <a:p>
             <a:pPr marL="342900" indent="-342900">
               <a:buAutoNum type="arabicPeriod"/>
             </a:pPr>
             <a:r>
-              <a:rPr lang="en-US" altLang="zh-CN" dirty="0"/>
-              <a:t>Prediction</a:t>
-            </a:r>
+              <a:rPr lang="en-US" altLang="zh-CN" dirty="0" smtClean="0"/>
+              <a:t>Prediction (Machine Learning : Decision Tress or Logistic Regression)</a:t>
+            </a:r>
+            <a:endParaRPr lang="en-US" altLang="zh-CN" dirty="0"/>
           </a:p>
           <a:p>
             <a:pPr marL="342900" indent="-342900">
@@ -6605,8 +6611,13 @@
             </a:pPr>
             <a:r>
               <a:rPr lang="en-US" altLang="zh-CN" dirty="0"/>
-              <a:t>Descriptive Analysis and BI</a:t>
-            </a:r>
+              <a:t>Descriptive Analysis and </a:t>
+            </a:r>
+            <a:r>
+              <a:rPr lang="en-US" altLang="zh-CN" smtClean="0"/>
+              <a:t>BI </a:t>
+            </a:r>
+            <a:endParaRPr lang="en-US" altLang="zh-CN" dirty="0"/>
           </a:p>
           <a:p>
             <a:pPr marL="342900" indent="-342900">

--- a/Final pre.pptx
+++ b/Final pre.pptx
@@ -6219,7 +6219,7 @@
             </a:r>
             <a:r>
               <a:rPr lang="en-US" altLang="zh-CN" sz="1800" dirty="0" smtClean="0"/>
-              <a:t>R </a:t>
+              <a:t>R. </a:t>
             </a:r>
             <a:r>
               <a:rPr lang="en-US" altLang="zh-CN" sz="1800" dirty="0" err="1" smtClean="0"/>
@@ -6468,11 +6468,7 @@
             <a:pPr fontAlgn="base"/>
             <a:r>
               <a:rPr lang="en-US" altLang="zh-CN" dirty="0" smtClean="0"/>
-              <a:t>4)Predicting which hotels </a:t>
-            </a:r>
-            <a:r>
-              <a:rPr lang="en-US" altLang="zh-CN" smtClean="0"/>
-              <a:t>will customer choose.</a:t>
+              <a:t>4)Predicting which hotels will customer choose.</a:t>
             </a:r>
             <a:endParaRPr lang="en-US" altLang="zh-CN" dirty="0"/>
           </a:p>
@@ -6556,7 +6552,7 @@
         <p:spPr>
           <a:xfrm>
             <a:off x="789094" y="585893"/>
-            <a:ext cx="7305040" cy="2862322"/>
+            <a:ext cx="7305040" cy="3139321"/>
           </a:xfrm>
           <a:prstGeom prst="rect">
             <a:avLst/>
@@ -6593,15 +6589,21 @@
               <a:rPr lang="en-US" altLang="zh-CN" dirty="0"/>
               <a:t>Recommendation </a:t>
             </a:r>
+            <a:r>
+              <a:rPr lang="en-US" altLang="zh-CN" dirty="0" smtClean="0"/>
+              <a:t>(MapReduce)</a:t>
+            </a:r>
+            <a:endParaRPr lang="en-US" altLang="zh-CN" dirty="0"/>
           </a:p>
           <a:p>
             <a:pPr marL="342900" indent="-342900">
               <a:buAutoNum type="arabicPeriod"/>
             </a:pPr>
             <a:r>
-              <a:rPr lang="en-US" altLang="zh-CN" dirty="0"/>
-              <a:t>Prediction</a:t>
-            </a:r>
+              <a:rPr lang="en-US" altLang="zh-CN" dirty="0" smtClean="0"/>
+              <a:t>Prediction (Machine Learning : Decision Tress or Logistic Regression)</a:t>
+            </a:r>
+            <a:endParaRPr lang="en-US" altLang="zh-CN" dirty="0"/>
           </a:p>
           <a:p>
             <a:pPr marL="342900" indent="-342900">
@@ -6609,8 +6611,13 @@
             </a:pPr>
             <a:r>
               <a:rPr lang="en-US" altLang="zh-CN" dirty="0"/>
-              <a:t>Descriptive Analysis and BI</a:t>
-            </a:r>
+              <a:t>Descriptive Analysis and </a:t>
+            </a:r>
+            <a:r>
+              <a:rPr lang="en-US" altLang="zh-CN" dirty="0" smtClean="0"/>
+              <a:t>BI </a:t>
+            </a:r>
+            <a:endParaRPr lang="en-US" altLang="zh-CN" dirty="0"/>
           </a:p>
           <a:p>
             <a:pPr marL="342900" indent="-342900">
@@ -7303,7 +7310,7 @@
         <p:spPr>
           <a:xfrm>
             <a:off x="668866" y="1778970"/>
-            <a:ext cx="10574867" cy="1477328"/>
+            <a:ext cx="10574867" cy="1754326"/>
           </a:xfrm>
           <a:prstGeom prst="rect">
             <a:avLst/>
@@ -7329,8 +7336,13 @@
             </a:r>
             <a:r>
               <a:rPr lang="en-US" altLang="zh-CN" dirty="0" smtClean="0"/>
-              <a:t> for machine learning</a:t>
-            </a:r>
+              <a:t> for machine </a:t>
+            </a:r>
+            <a:r>
+              <a:rPr lang="en-US" altLang="zh-CN" dirty="0" smtClean="0"/>
+              <a:t>learning and achieving at least 65% of accuracy  </a:t>
+            </a:r>
+            <a:endParaRPr lang="en-US" altLang="zh-CN" dirty="0" smtClean="0"/>
           </a:p>
           <a:p>
             <a:r>

--- a/Final pre.pptx
+++ b/Final pre.pptx
@@ -6461,14 +6461,14 @@
             <a:pPr fontAlgn="base"/>
             <a:r>
               <a:rPr lang="en-US" altLang="zh-CN" dirty="0" smtClean="0"/>
-              <a:t>3)BI and descriptive  Analysis </a:t>
+              <a:t>3)BI and descriptive  Analysis  Dashboard for Analysts</a:t>
             </a:r>
           </a:p>
           <a:p>
             <a:pPr fontAlgn="base"/>
             <a:r>
               <a:rPr lang="en-US" altLang="zh-CN" dirty="0" smtClean="0"/>
-              <a:t>4)Predicting which hotels will customer choose.</a:t>
+              <a:t>4)Predicting which hotels will customer choose for Analysts</a:t>
             </a:r>
             <a:endParaRPr lang="en-US" altLang="zh-CN" dirty="0"/>
           </a:p>

--- a/Final pre.pptx
+++ b/Final pre.pptx
@@ -6461,14 +6461,18 @@
             <a:pPr fontAlgn="base"/>
             <a:r>
               <a:rPr lang="en-US" altLang="zh-CN" dirty="0" smtClean="0"/>
-              <a:t>3)BI and descriptive  Analysis </a:t>
+              <a:t>3)BI and descriptive  Analysis  Dashboard for Analysts</a:t>
             </a:r>
           </a:p>
           <a:p>
             <a:pPr fontAlgn="base"/>
             <a:r>
               <a:rPr lang="en-US" altLang="zh-CN" dirty="0" smtClean="0"/>
-              <a:t>4)Predicting which hotels will customer choose.</a:t>
+              <a:t>4)Predicting which hotels will </a:t>
+            </a:r>
+            <a:r>
+              <a:rPr lang="en-US" altLang="zh-CN" smtClean="0"/>
+              <a:t>customer choose for Analysts</a:t>
             </a:r>
             <a:endParaRPr lang="en-US" altLang="zh-CN" dirty="0"/>
           </a:p>
@@ -6614,7 +6618,7 @@
               <a:t>Descriptive Analysis and </a:t>
             </a:r>
             <a:r>
-              <a:rPr lang="en-US" altLang="zh-CN" smtClean="0"/>
+              <a:rPr lang="en-US" altLang="zh-CN" dirty="0" smtClean="0"/>
               <a:t>BI </a:t>
             </a:r>
             <a:endParaRPr lang="en-US" altLang="zh-CN" dirty="0"/>

--- a/Final pre.pptx
+++ b/Final pre.pptx
@@ -6601,7 +6601,15 @@
             </a:pPr>
             <a:r>
               <a:rPr lang="en-US" altLang="zh-CN" dirty="0" smtClean="0"/>
-              <a:t>Prediction (Machine Learning : Decision Tress or Logistic Regression)</a:t>
+              <a:t>Prediction (Machine Learning : </a:t>
+            </a:r>
+            <a:r>
+              <a:rPr lang="en-US" altLang="zh-CN" smtClean="0"/>
+              <a:t>Decision Trees </a:t>
+            </a:r>
+            <a:r>
+              <a:rPr lang="en-US" altLang="zh-CN" dirty="0" smtClean="0"/>
+              <a:t>or Logistic Regression)</a:t>
             </a:r>
             <a:endParaRPr lang="en-US" altLang="zh-CN" dirty="0"/>
           </a:p>

--- a/Final pre.pptx
+++ b/Final pre.pptx
@@ -6140,7 +6140,7 @@
           <p:cNvPr id="2" name="Title 1">
             <a:extLst>
               <a:ext uri="{FF2B5EF4-FFF2-40B4-BE49-F238E27FC236}">
-                <a16:creationId xmlns="" xmlns:a16="http://schemas.microsoft.com/office/drawing/2014/main" id="{895A6091-2B96-4770-B19E-4309052BDCB8}"/>
+                <a16:creationId xmlns:a16="http://schemas.microsoft.com/office/drawing/2014/main" xmlns="" id="{895A6091-2B96-4770-B19E-4309052BDCB8}"/>
               </a:ext>
             </a:extLst>
           </p:cNvPr>
@@ -6354,7 +6354,7 @@
           <p:cNvPr id="4" name="Rectangle 3">
             <a:extLst>
               <a:ext uri="{FF2B5EF4-FFF2-40B4-BE49-F238E27FC236}">
-                <a16:creationId xmlns="" xmlns:a16="http://schemas.microsoft.com/office/drawing/2014/main" id="{9BA15C1C-E0F3-4E8A-A572-174FB6C5C5A1}"/>
+                <a16:creationId xmlns:a16="http://schemas.microsoft.com/office/drawing/2014/main" xmlns="" id="{9BA15C1C-E0F3-4E8A-A572-174FB6C5C5A1}"/>
               </a:ext>
             </a:extLst>
           </p:cNvPr>
@@ -6392,7 +6392,7 @@
           <p:cNvPr id="5" name="Picture 4">
             <a:extLst>
               <a:ext uri="{FF2B5EF4-FFF2-40B4-BE49-F238E27FC236}">
-                <a16:creationId xmlns="" xmlns:a16="http://schemas.microsoft.com/office/drawing/2014/main" id="{59B5E77B-E2C9-4A05-BA09-23AF734FB85D}"/>
+                <a16:creationId xmlns:a16="http://schemas.microsoft.com/office/drawing/2014/main" xmlns="" id="{59B5E77B-E2C9-4A05-BA09-23AF734FB85D}"/>
               </a:ext>
             </a:extLst>
           </p:cNvPr>
@@ -6422,7 +6422,7 @@
           <p:cNvPr id="6" name="Rectangle 5">
             <a:extLst>
               <a:ext uri="{FF2B5EF4-FFF2-40B4-BE49-F238E27FC236}">
-                <a16:creationId xmlns="" xmlns:a16="http://schemas.microsoft.com/office/drawing/2014/main" id="{D2C3EC66-B63F-4FB4-A63F-DB16FEA58B78}"/>
+                <a16:creationId xmlns:a16="http://schemas.microsoft.com/office/drawing/2014/main" xmlns="" id="{D2C3EC66-B63F-4FB4-A63F-DB16FEA58B78}"/>
               </a:ext>
             </a:extLst>
           </p:cNvPr>
@@ -6542,7 +6542,7 @@
           <p:cNvPr id="4" name="Rectangle 3">
             <a:extLst>
               <a:ext uri="{FF2B5EF4-FFF2-40B4-BE49-F238E27FC236}">
-                <a16:creationId xmlns="" xmlns:a16="http://schemas.microsoft.com/office/drawing/2014/main" id="{88779551-8DB2-4924-AFAD-1D4F5F68F02A}"/>
+                <a16:creationId xmlns:a16="http://schemas.microsoft.com/office/drawing/2014/main" xmlns="" id="{88779551-8DB2-4924-AFAD-1D4F5F68F02A}"/>
               </a:ext>
             </a:extLst>
           </p:cNvPr>
@@ -6718,7 +6718,7 @@
           <p:cNvPr id="4" name="Rectangle 3">
             <a:extLst>
               <a:ext uri="{FF2B5EF4-FFF2-40B4-BE49-F238E27FC236}">
-                <a16:creationId xmlns="" xmlns:a16="http://schemas.microsoft.com/office/drawing/2014/main" id="{76A1E589-EC44-4A59-B191-675E7FB9E896}"/>
+                <a16:creationId xmlns:a16="http://schemas.microsoft.com/office/drawing/2014/main" xmlns="" id="{76A1E589-EC44-4A59-B191-675E7FB9E896}"/>
               </a:ext>
             </a:extLst>
           </p:cNvPr>
@@ -6824,7 +6824,7 @@
           <p:cNvPr id="5" name="Picture 4">
             <a:extLst>
               <a:ext uri="{FF2B5EF4-FFF2-40B4-BE49-F238E27FC236}">
-                <a16:creationId xmlns="" xmlns:a16="http://schemas.microsoft.com/office/drawing/2014/main" id="{BF627818-056B-4A17-9CDB-E34E8DEFF5C2}"/>
+                <a16:creationId xmlns:a16="http://schemas.microsoft.com/office/drawing/2014/main" xmlns="" id="{BF627818-056B-4A17-9CDB-E34E8DEFF5C2}"/>
               </a:ext>
             </a:extLst>
           </p:cNvPr>
@@ -6854,7 +6854,7 @@
           <p:cNvPr id="6" name="Picture 5">
             <a:extLst>
               <a:ext uri="{FF2B5EF4-FFF2-40B4-BE49-F238E27FC236}">
-                <a16:creationId xmlns="" xmlns:a16="http://schemas.microsoft.com/office/drawing/2014/main" id="{8B258575-48CE-458E-B0D6-42DEF5F01886}"/>
+                <a16:creationId xmlns:a16="http://schemas.microsoft.com/office/drawing/2014/main" xmlns="" id="{8B258575-48CE-458E-B0D6-42DEF5F01886}"/>
               </a:ext>
             </a:extLst>
           </p:cNvPr>
@@ -6947,7 +6947,7 @@
           <p:cNvPr id="4" name="Rectangle 3">
             <a:extLst>
               <a:ext uri="{FF2B5EF4-FFF2-40B4-BE49-F238E27FC236}">
-                <a16:creationId xmlns="" xmlns:a16="http://schemas.microsoft.com/office/drawing/2014/main" id="{FB08BF99-FA9D-4DBE-B6E1-45CCF911DAA8}"/>
+                <a16:creationId xmlns:a16="http://schemas.microsoft.com/office/drawing/2014/main" xmlns="" id="{FB08BF99-FA9D-4DBE-B6E1-45CCF911DAA8}"/>
               </a:ext>
             </a:extLst>
           </p:cNvPr>
@@ -7095,7 +7095,7 @@
           <p:cNvPr id="4" name="Rectangle 3">
             <a:extLst>
               <a:ext uri="{FF2B5EF4-FFF2-40B4-BE49-F238E27FC236}">
-                <a16:creationId xmlns="" xmlns:a16="http://schemas.microsoft.com/office/drawing/2014/main" id="{0C9698BF-359B-4862-BD9E-B2FEBE8913E9}"/>
+                <a16:creationId xmlns:a16="http://schemas.microsoft.com/office/drawing/2014/main" xmlns="" id="{0C9698BF-359B-4862-BD9E-B2FEBE8913E9}"/>
               </a:ext>
             </a:extLst>
           </p:cNvPr>
@@ -7270,7 +7270,7 @@
           <p:cNvPr id="4" name="Rectangle 3">
             <a:extLst>
               <a:ext uri="{FF2B5EF4-FFF2-40B4-BE49-F238E27FC236}">
-                <a16:creationId xmlns="" xmlns:a16="http://schemas.microsoft.com/office/drawing/2014/main" id="{09095AB5-F0F6-4611-81DB-A4870DE65ABD}"/>
+                <a16:creationId xmlns:a16="http://schemas.microsoft.com/office/drawing/2014/main" xmlns="" id="{09095AB5-F0F6-4611-81DB-A4870DE65ABD}"/>
               </a:ext>
             </a:extLst>
           </p:cNvPr>
@@ -7308,7 +7308,7 @@
           <p:cNvPr id="6" name="Rectangle 5">
             <a:extLst>
               <a:ext uri="{FF2B5EF4-FFF2-40B4-BE49-F238E27FC236}">
-                <a16:creationId xmlns="" xmlns:a16="http://schemas.microsoft.com/office/drawing/2014/main" id="{445E0328-CE2F-4A91-A719-6FC066FB9003}"/>
+                <a16:creationId xmlns:a16="http://schemas.microsoft.com/office/drawing/2014/main" xmlns="" id="{445E0328-CE2F-4A91-A719-6FC066FB9003}"/>
               </a:ext>
             </a:extLst>
           </p:cNvPr>
@@ -7344,13 +7344,8 @@
             </a:r>
             <a:r>
               <a:rPr lang="en-US" altLang="zh-CN" dirty="0" smtClean="0"/>
-              <a:t> for machine </a:t>
-            </a:r>
-            <a:r>
-              <a:rPr lang="en-US" altLang="zh-CN" dirty="0" smtClean="0"/>
-              <a:t>learning and achieving at least 65% of accuracy  </a:t>
-            </a:r>
-            <a:endParaRPr lang="en-US" altLang="zh-CN" dirty="0" smtClean="0"/>
+              <a:t> for machine learning and achieving at least 65% of accuracy  </a:t>
+            </a:r>
           </a:p>
           <a:p>
             <a:r>
@@ -7361,13 +7356,8 @@
           <a:p>
             <a:r>
               <a:rPr lang="en-US" altLang="zh-CN" dirty="0" smtClean="0"/>
-              <a:t>Creating Interactive web Dashboard using Play </a:t>
-            </a:r>
-            <a:r>
-              <a:rPr lang="en-US" altLang="zh-CN" dirty="0" smtClean="0"/>
-              <a:t>Framework(IF TIME PERMITS)</a:t>
-            </a:r>
-            <a:endParaRPr lang="en-US" altLang="zh-CN" dirty="0" smtClean="0"/>
+              <a:t>Creating Interactive web Dashboard using Play Framework(IF TIME PERMITS)</a:t>
+            </a:r>
           </a:p>
           <a:p>
             <a:endParaRPr lang="en-US" altLang="zh-CN" dirty="0" smtClean="0"/>
@@ -7445,7 +7435,7 @@
           <p:cNvPr id="4" name="Rectangle 3">
             <a:extLst>
               <a:ext uri="{FF2B5EF4-FFF2-40B4-BE49-F238E27FC236}">
-                <a16:creationId xmlns="" xmlns:a16="http://schemas.microsoft.com/office/drawing/2014/main" id="{9EE7464C-C12A-40F5-B569-FB89ED9FFD59}"/>
+                <a16:creationId xmlns:a16="http://schemas.microsoft.com/office/drawing/2014/main" xmlns="" id="{9EE7464C-C12A-40F5-B569-FB89ED9FFD59}"/>
               </a:ext>
             </a:extLst>
           </p:cNvPr>
@@ -7488,7 +7478,7 @@
           <p:cNvPr id="5" name="Rectangle 4">
             <a:extLst>
               <a:ext uri="{FF2B5EF4-FFF2-40B4-BE49-F238E27FC236}">
-                <a16:creationId xmlns="" xmlns:a16="http://schemas.microsoft.com/office/drawing/2014/main" id="{0226F5C2-4D85-4C8F-8038-4CBC2CFF2CFC}"/>
+                <a16:creationId xmlns:a16="http://schemas.microsoft.com/office/drawing/2014/main" xmlns="" id="{0226F5C2-4D85-4C8F-8038-4CBC2CFF2CFC}"/>
               </a:ext>
             </a:extLst>
           </p:cNvPr>

--- a/Final pre.pptx
+++ b/Final pre.pptx
@@ -309,7 +309,7 @@
           <a:p>
             <a:fld id="{B11B4ED3-F84C-4013-B545-4C98F9FFD2B5}" type="datetimeFigureOut">
               <a:rPr lang="zh-CN" altLang="en-US" smtClean="0"/>
-              <a:t>17/11/10</a:t>
+              <a:t>17/11/17</a:t>
             </a:fld>
             <a:endParaRPr lang="zh-CN" altLang="en-US"/>
           </a:p>
@@ -584,7 +584,7 @@
           <a:p>
             <a:fld id="{B11B4ED3-F84C-4013-B545-4C98F9FFD2B5}" type="datetimeFigureOut">
               <a:rPr lang="zh-CN" altLang="en-US" smtClean="0"/>
-              <a:t>17/11/10</a:t>
+              <a:t>17/11/17</a:t>
             </a:fld>
             <a:endParaRPr lang="zh-CN" altLang="en-US"/>
           </a:p>
@@ -778,7 +778,7 @@
           <a:p>
             <a:fld id="{B11B4ED3-F84C-4013-B545-4C98F9FFD2B5}" type="datetimeFigureOut">
               <a:rPr lang="zh-CN" altLang="en-US" smtClean="0"/>
-              <a:t>17/11/10</a:t>
+              <a:t>17/11/17</a:t>
             </a:fld>
             <a:endParaRPr lang="zh-CN" altLang="en-US"/>
           </a:p>
@@ -1051,7 +1051,7 @@
           <a:p>
             <a:fld id="{B11B4ED3-F84C-4013-B545-4C98F9FFD2B5}" type="datetimeFigureOut">
               <a:rPr lang="zh-CN" altLang="en-US" smtClean="0"/>
-              <a:t>17/11/10</a:t>
+              <a:t>17/11/17</a:t>
             </a:fld>
             <a:endParaRPr lang="zh-CN" altLang="en-US"/>
           </a:p>
@@ -1392,7 +1392,7 @@
           <a:p>
             <a:fld id="{B11B4ED3-F84C-4013-B545-4C98F9FFD2B5}" type="datetimeFigureOut">
               <a:rPr lang="zh-CN" altLang="en-US" smtClean="0"/>
-              <a:t>17/11/10</a:t>
+              <a:t>17/11/17</a:t>
             </a:fld>
             <a:endParaRPr lang="zh-CN" altLang="en-US"/>
           </a:p>
@@ -2015,7 +2015,7 @@
           <a:p>
             <a:fld id="{B11B4ED3-F84C-4013-B545-4C98F9FFD2B5}" type="datetimeFigureOut">
               <a:rPr lang="zh-CN" altLang="en-US" smtClean="0"/>
-              <a:t>17/11/10</a:t>
+              <a:t>17/11/17</a:t>
             </a:fld>
             <a:endParaRPr lang="zh-CN" altLang="en-US"/>
           </a:p>
@@ -2875,7 +2875,7 @@
           <a:p>
             <a:fld id="{B11B4ED3-F84C-4013-B545-4C98F9FFD2B5}" type="datetimeFigureOut">
               <a:rPr lang="zh-CN" altLang="en-US" smtClean="0"/>
-              <a:t>17/11/10</a:t>
+              <a:t>17/11/17</a:t>
             </a:fld>
             <a:endParaRPr lang="zh-CN" altLang="en-US"/>
           </a:p>
@@ -3045,7 +3045,7 @@
           <a:p>
             <a:fld id="{B11B4ED3-F84C-4013-B545-4C98F9FFD2B5}" type="datetimeFigureOut">
               <a:rPr lang="zh-CN" altLang="en-US" smtClean="0"/>
-              <a:t>17/11/10</a:t>
+              <a:t>17/11/17</a:t>
             </a:fld>
             <a:endParaRPr lang="zh-CN" altLang="en-US"/>
           </a:p>
@@ -3225,7 +3225,7 @@
           <a:p>
             <a:fld id="{B11B4ED3-F84C-4013-B545-4C98F9FFD2B5}" type="datetimeFigureOut">
               <a:rPr lang="zh-CN" altLang="en-US" smtClean="0"/>
-              <a:t>17/11/10</a:t>
+              <a:t>17/11/17</a:t>
             </a:fld>
             <a:endParaRPr lang="zh-CN" altLang="en-US"/>
           </a:p>
@@ -3395,7 +3395,7 @@
           <a:p>
             <a:fld id="{B11B4ED3-F84C-4013-B545-4C98F9FFD2B5}" type="datetimeFigureOut">
               <a:rPr lang="zh-CN" altLang="en-US" smtClean="0"/>
-              <a:t>17/11/10</a:t>
+              <a:t>17/11/17</a:t>
             </a:fld>
             <a:endParaRPr lang="zh-CN" altLang="en-US"/>
           </a:p>
@@ -3642,7 +3642,7 @@
           <a:p>
             <a:fld id="{B11B4ED3-F84C-4013-B545-4C98F9FFD2B5}" type="datetimeFigureOut">
               <a:rPr lang="zh-CN" altLang="en-US" smtClean="0"/>
-              <a:t>17/11/10</a:t>
+              <a:t>17/11/17</a:t>
             </a:fld>
             <a:endParaRPr lang="zh-CN" altLang="en-US"/>
           </a:p>
@@ -3934,7 +3934,7 @@
           <a:p>
             <a:fld id="{B11B4ED3-F84C-4013-B545-4C98F9FFD2B5}" type="datetimeFigureOut">
               <a:rPr lang="zh-CN" altLang="en-US" smtClean="0"/>
-              <a:t>17/11/10</a:t>
+              <a:t>17/11/17</a:t>
             </a:fld>
             <a:endParaRPr lang="zh-CN" altLang="en-US"/>
           </a:p>
@@ -4378,7 +4378,7 @@
           <a:p>
             <a:fld id="{B11B4ED3-F84C-4013-B545-4C98F9FFD2B5}" type="datetimeFigureOut">
               <a:rPr lang="zh-CN" altLang="en-US" smtClean="0"/>
-              <a:t>17/11/10</a:t>
+              <a:t>17/11/17</a:t>
             </a:fld>
             <a:endParaRPr lang="zh-CN" altLang="en-US"/>
           </a:p>
@@ -4496,7 +4496,7 @@
           <a:p>
             <a:fld id="{B11B4ED3-F84C-4013-B545-4C98F9FFD2B5}" type="datetimeFigureOut">
               <a:rPr lang="zh-CN" altLang="en-US" smtClean="0"/>
-              <a:t>17/11/10</a:t>
+              <a:t>17/11/17</a:t>
             </a:fld>
             <a:endParaRPr lang="zh-CN" altLang="en-US"/>
           </a:p>
@@ -4591,7 +4591,7 @@
           <a:p>
             <a:fld id="{B11B4ED3-F84C-4013-B545-4C98F9FFD2B5}" type="datetimeFigureOut">
               <a:rPr lang="zh-CN" altLang="en-US" smtClean="0"/>
-              <a:t>17/11/10</a:t>
+              <a:t>17/11/17</a:t>
             </a:fld>
             <a:endParaRPr lang="zh-CN" altLang="en-US"/>
           </a:p>
@@ -4870,7 +4870,7 @@
           <a:p>
             <a:fld id="{B11B4ED3-F84C-4013-B545-4C98F9FFD2B5}" type="datetimeFigureOut">
               <a:rPr lang="zh-CN" altLang="en-US" smtClean="0"/>
-              <a:t>17/11/10</a:t>
+              <a:t>17/11/17</a:t>
             </a:fld>
             <a:endParaRPr lang="zh-CN" altLang="en-US"/>
           </a:p>
@@ -5145,7 +5145,7 @@
           <a:p>
             <a:fld id="{B11B4ED3-F84C-4013-B545-4C98F9FFD2B5}" type="datetimeFigureOut">
               <a:rPr lang="zh-CN" altLang="en-US" smtClean="0"/>
-              <a:t>17/11/10</a:t>
+              <a:t>17/11/17</a:t>
             </a:fld>
             <a:endParaRPr lang="zh-CN" altLang="en-US"/>
           </a:p>
@@ -5574,7 +5574,7 @@
           <a:p>
             <a:fld id="{B11B4ED3-F84C-4013-B545-4C98F9FFD2B5}" type="datetimeFigureOut">
               <a:rPr lang="zh-CN" altLang="en-US" smtClean="0"/>
-              <a:t>17/11/10</a:t>
+              <a:t>17/11/17</a:t>
             </a:fld>
             <a:endParaRPr lang="zh-CN" altLang="en-US"/>
           </a:p>
@@ -6179,8 +6179,26 @@
             </a:br>
             <a:r>
               <a:rPr lang="en-US" altLang="zh-CN" sz="3600" dirty="0"/>
-              <a:t>Expedia Hotel Recommendations</a:t>
-            </a:r>
+              <a:t>Expedia Hotel </a:t>
+            </a:r>
+            <a:r>
+              <a:rPr lang="en-US" altLang="zh-CN" sz="3600" dirty="0" smtClean="0"/>
+              <a:t>Recommendations</a:t>
+            </a:r>
+            <a:br>
+              <a:rPr lang="en-US" altLang="zh-CN" sz="3600" dirty="0" smtClean="0"/>
+            </a:br>
+            <a:r>
+              <a:rPr lang="en-US" sz="1600" b="1" dirty="0"/>
+              <a:t>Which hotel type will an Expedia customer book?</a:t>
+            </a:r>
+            <a:r>
+              <a:rPr lang="en-US" sz="1200" b="1" dirty="0"/>
+              <a:t/>
+            </a:r>
+            <a:br>
+              <a:rPr lang="en-US" sz="1200" b="1" dirty="0"/>
+            </a:br>
             <a:r>
               <a:rPr lang="en-US" altLang="zh-CN" sz="1400" dirty="0"/>
               <a:t/>
@@ -6296,6 +6314,13 @@
   <p:clrMapOvr>
     <a:masterClrMapping/>
   </p:clrMapOvr>
+  <p:timing>
+    <p:tnLst>
+      <p:par>
+        <p:cTn id="1" dur="indefinite" restart="never" nodeType="tmRoot"/>
+      </p:par>
+    </p:tnLst>
+  </p:timing>
 </p:sld>
 </file>
 
@@ -6363,7 +6388,7 @@
         </p:nvSpPr>
         <p:spPr>
           <a:xfrm>
-            <a:off x="401320" y="442222"/>
+            <a:off x="198120" y="374489"/>
             <a:ext cx="6096000" cy="646331"/>
           </a:xfrm>
           <a:prstGeom prst="rect">
@@ -6377,8 +6402,12 @@
           <a:lstStyle/>
           <a:p>
             <a:r>
+              <a:rPr lang="en-US" altLang="zh-CN" dirty="0" smtClean="0"/>
+              <a:t>Use Cases</a:t>
+            </a:r>
+            <a:r>
               <a:rPr lang="en-US" altLang="zh-CN" dirty="0"/>
-              <a:t>Use cases to be satisfied for hypothetical customers;</a:t>
+              <a:t/>
             </a:r>
             <a:br>
               <a:rPr lang="en-US" altLang="zh-CN" dirty="0"/>
@@ -6387,9 +6416,123 @@
           </a:p>
         </p:txBody>
       </p:sp>
+      <p:sp>
+        <p:nvSpPr>
+          <p:cNvPr id="6" name="Rectangle 5">
+            <a:extLst>
+              <a:ext uri="{FF2B5EF4-FFF2-40B4-BE49-F238E27FC236}">
+                <a16:creationId xmlns="" xmlns:a16="http://schemas.microsoft.com/office/drawing/2014/main" id="{D2C3EC66-B63F-4FB4-A63F-DB16FEA58B78}"/>
+              </a:ext>
+            </a:extLst>
+          </p:cNvPr>
+          <p:cNvSpPr/>
+          <p:nvPr/>
+        </p:nvSpPr>
+        <p:spPr>
+          <a:xfrm>
+            <a:off x="401320" y="1345754"/>
+            <a:ext cx="12070933" cy="3139321"/>
+          </a:xfrm>
+          <a:prstGeom prst="rect">
+            <a:avLst/>
+          </a:prstGeom>
+        </p:spPr>
+        <p:txBody>
+          <a:bodyPr wrap="none">
+            <a:spAutoFit/>
+          </a:bodyPr>
+          <a:lstStyle/>
+          <a:p>
+            <a:pPr fontAlgn="base"/>
+            <a:r>
+              <a:rPr lang="en-US" altLang="zh-CN" dirty="0" smtClean="0"/>
+              <a:t>Use Case 1 : </a:t>
+            </a:r>
+          </a:p>
+          <a:p>
+            <a:pPr fontAlgn="base"/>
+            <a:r>
+              <a:rPr lang="en-US" altLang="zh-CN" dirty="0" smtClean="0"/>
+              <a:t>Customer gets the hotel recommendations for different user input  like </a:t>
+            </a:r>
+            <a:r>
+              <a:rPr lang="en-US" altLang="zh-CN" dirty="0" err="1" smtClean="0"/>
+              <a:t>userId</a:t>
+            </a:r>
+            <a:r>
+              <a:rPr lang="en-US" altLang="zh-CN" dirty="0" smtClean="0"/>
+              <a:t>, Destination </a:t>
+            </a:r>
+            <a:r>
+              <a:rPr lang="en-US" altLang="zh-CN" dirty="0" err="1" smtClean="0"/>
+              <a:t>etc</a:t>
+            </a:r>
+            <a:r>
+              <a:rPr lang="en-US" altLang="zh-CN" dirty="0" smtClean="0"/>
+              <a:t> </a:t>
+            </a:r>
+          </a:p>
+          <a:p>
+            <a:pPr fontAlgn="base"/>
+            <a:endParaRPr lang="en-US" altLang="zh-CN" dirty="0"/>
+          </a:p>
+          <a:p>
+            <a:pPr fontAlgn="base"/>
+            <a:r>
+              <a:rPr lang="en-US" altLang="zh-CN" dirty="0" smtClean="0"/>
+              <a:t>Use Case 2 :</a:t>
+            </a:r>
+          </a:p>
+          <a:p>
+            <a:pPr fontAlgn="base"/>
+            <a:r>
+              <a:rPr lang="en-US" altLang="zh-CN" dirty="0" smtClean="0"/>
+              <a:t>Customer gets the hotel recommendations based on historical data of hotel bookings of other customers</a:t>
+            </a:r>
+          </a:p>
+          <a:p>
+            <a:pPr fontAlgn="base"/>
+            <a:endParaRPr lang="en-US" altLang="zh-CN" dirty="0"/>
+          </a:p>
+          <a:p>
+            <a:pPr fontAlgn="base"/>
+            <a:r>
+              <a:rPr lang="en-US" altLang="zh-CN" dirty="0" smtClean="0"/>
+              <a:t>Use Case 3 :</a:t>
+            </a:r>
+          </a:p>
+          <a:p>
+            <a:pPr fontAlgn="base"/>
+            <a:r>
+              <a:rPr lang="en-US" altLang="zh-CN" dirty="0" smtClean="0"/>
+              <a:t>Data Scientist  can visualize the data for initial data analysis for machine learning.</a:t>
+            </a:r>
+          </a:p>
+          <a:p>
+            <a:pPr fontAlgn="base"/>
+            <a:endParaRPr lang="en-US" altLang="zh-CN" dirty="0"/>
+          </a:p>
+          <a:p>
+            <a:pPr fontAlgn="base"/>
+            <a:r>
+              <a:rPr lang="en-US" altLang="zh-CN" dirty="0" smtClean="0"/>
+              <a:t>Use Case 4 :</a:t>
+            </a:r>
+            <a:endParaRPr lang="en-US" altLang="zh-CN" dirty="0" smtClean="0"/>
+          </a:p>
+          <a:p>
+            <a:pPr fontAlgn="base"/>
+            <a:r>
+              <a:rPr lang="en-US" altLang="zh-CN" dirty="0" smtClean="0"/>
+              <a:t>Data analyst / Business Analyst able to visualize the data on interactive dashboard for Business Intelligence</a:t>
+            </a:r>
+            <a:endParaRPr lang="en-US" altLang="zh-CN" dirty="0"/>
+          </a:p>
+        </p:txBody>
+      </p:sp>
       <p:pic>
         <p:nvPicPr>
-          <p:cNvPr id="5" name="Picture 4">
+          <p:cNvPr id="7" name="Picture 6">
             <a:extLst>
               <a:ext uri="{FF2B5EF4-FFF2-40B4-BE49-F238E27FC236}">
                 <a16:creationId xmlns="" xmlns:a16="http://schemas.microsoft.com/office/drawing/2014/main" id="{59B5E77B-E2C9-4A05-BA09-23AF734FB85D}"/>
@@ -6409,75 +6552,14 @@
         </p:blipFill>
         <p:spPr>
           <a:xfrm>
-            <a:off x="401320" y="2900420"/>
-            <a:ext cx="6919940" cy="3315230"/>
+            <a:off x="2928411" y="4606809"/>
+            <a:ext cx="5521324" cy="2047991"/>
           </a:xfrm>
           <a:prstGeom prst="rect">
             <a:avLst/>
           </a:prstGeom>
         </p:spPr>
       </p:pic>
-      <p:sp>
-        <p:nvSpPr>
-          <p:cNvPr id="6" name="Rectangle 5">
-            <a:extLst>
-              <a:ext uri="{FF2B5EF4-FFF2-40B4-BE49-F238E27FC236}">
-                <a16:creationId xmlns="" xmlns:a16="http://schemas.microsoft.com/office/drawing/2014/main" id="{D2C3EC66-B63F-4FB4-A63F-DB16FEA58B78}"/>
-              </a:ext>
-            </a:extLst>
-          </p:cNvPr>
-          <p:cNvSpPr/>
-          <p:nvPr/>
-        </p:nvSpPr>
-        <p:spPr>
-          <a:xfrm>
-            <a:off x="401320" y="1345754"/>
-            <a:ext cx="7167347" cy="1200329"/>
-          </a:xfrm>
-          <a:prstGeom prst="rect">
-            <a:avLst/>
-          </a:prstGeom>
-        </p:spPr>
-        <p:txBody>
-          <a:bodyPr wrap="none">
-            <a:spAutoFit/>
-          </a:bodyPr>
-          <a:lstStyle/>
-          <a:p>
-            <a:pPr fontAlgn="base"/>
-            <a:r>
-              <a:rPr lang="en-US" altLang="zh-CN" dirty="0" smtClean="0"/>
-              <a:t>1)Displaying Hotel Recommendations for current user</a:t>
-            </a:r>
-          </a:p>
-          <a:p>
-            <a:pPr fontAlgn="base"/>
-            <a:r>
-              <a:rPr lang="en-US" altLang="zh-CN" dirty="0" smtClean="0"/>
-              <a:t>2)Displaying Recommendations based on different user inputs.</a:t>
-            </a:r>
-          </a:p>
-          <a:p>
-            <a:pPr fontAlgn="base"/>
-            <a:r>
-              <a:rPr lang="en-US" altLang="zh-CN" dirty="0" smtClean="0"/>
-              <a:t>3)BI and descriptive  Analysis  Dashboard for Analysts</a:t>
-            </a:r>
-          </a:p>
-          <a:p>
-            <a:pPr fontAlgn="base"/>
-            <a:r>
-              <a:rPr lang="en-US" altLang="zh-CN" dirty="0" smtClean="0"/>
-              <a:t>4)Predicting which hotels will </a:t>
-            </a:r>
-            <a:r>
-              <a:rPr lang="en-US" altLang="zh-CN" smtClean="0"/>
-              <a:t>customer choose for Analysts</a:t>
-            </a:r>
-            <a:endParaRPr lang="en-US" altLang="zh-CN" dirty="0"/>
-          </a:p>
-        </p:txBody>
-      </p:sp>
     </p:spTree>
     <p:extLst>
       <p:ext uri="{BB962C8B-B14F-4D97-AF65-F5344CB8AC3E}">
@@ -6488,6 +6570,13 @@
   <p:clrMapOvr>
     <a:masterClrMapping/>
   </p:clrMapOvr>
+  <p:timing>
+    <p:tnLst>
+      <p:par>
+        <p:cTn id="1" dur="indefinite" restart="never" nodeType="tmRoot"/>
+      </p:par>
+    </p:tnLst>
+  </p:timing>
 </p:sld>
 </file>
 
@@ -6555,8 +6644,8 @@
         </p:nvSpPr>
         <p:spPr>
           <a:xfrm>
-            <a:off x="789094" y="585893"/>
-            <a:ext cx="7305040" cy="3139321"/>
+            <a:off x="789093" y="585892"/>
+            <a:ext cx="10810239" cy="3693319"/>
           </a:xfrm>
           <a:prstGeom prst="rect">
             <a:avLst/>
@@ -6580,67 +6669,57 @@
             <a:endParaRPr lang="en-US" altLang="zh-CN" dirty="0"/>
           </a:p>
           <a:p>
-            <a:endParaRPr lang="en-US" altLang="zh-CN" dirty="0"/>
-          </a:p>
-          <a:p>
-            <a:endParaRPr lang="en-US" altLang="zh-CN" dirty="0"/>
-          </a:p>
-          <a:p>
             <a:pPr marL="342900" indent="-342900">
               <a:buAutoNum type="arabicPeriod"/>
             </a:pPr>
             <a:r>
-              <a:rPr lang="en-US" altLang="zh-CN" dirty="0"/>
-              <a:t>Recommendation </a:t>
-            </a:r>
-            <a:r>
               <a:rPr lang="en-US" altLang="zh-CN" dirty="0" smtClean="0"/>
-              <a:t>(MapReduce)</a:t>
-            </a:r>
-            <a:endParaRPr lang="en-US" altLang="zh-CN" dirty="0"/>
+              <a:t>User Based Recommendations :- Using MapReduce.</a:t>
+            </a:r>
           </a:p>
           <a:p>
             <a:pPr marL="342900" indent="-342900">
               <a:buAutoNum type="arabicPeriod"/>
             </a:pPr>
-            <a:r>
-              <a:rPr lang="en-US" altLang="zh-CN" dirty="0" smtClean="0"/>
-              <a:t>Prediction (Machine Learning : Decision Tress or Logistic Regression)</a:t>
-            </a:r>
-            <a:endParaRPr lang="en-US" altLang="zh-CN" dirty="0"/>
+            <a:endParaRPr lang="en-US" altLang="zh-CN" dirty="0" smtClean="0"/>
           </a:p>
           <a:p>
             <a:pPr marL="342900" indent="-342900">
               <a:buAutoNum type="arabicPeriod"/>
             </a:pPr>
             <a:r>
+              <a:rPr lang="en-US" altLang="zh-CN" dirty="0" smtClean="0"/>
+              <a:t>Recommendations based on historical Data :- </a:t>
+            </a:r>
+            <a:r>
               <a:rPr lang="en-US" altLang="zh-CN" dirty="0"/>
-              <a:t>Descriptive Analysis and </a:t>
+              <a:t>Here  we will be developing a machine learning model which will predict which hotels (hotel clusters ) user is likely to book and recommend those hotels to users. Machine </a:t>
             </a:r>
             <a:r>
               <a:rPr lang="en-US" altLang="zh-CN" dirty="0" smtClean="0"/>
-              <a:t>BI </a:t>
-            </a:r>
-            <a:endParaRPr lang="en-US" altLang="zh-CN" dirty="0"/>
+              <a:t>Learning : Decision Trees or Logistic </a:t>
+            </a:r>
+            <a:r>
+              <a:rPr lang="en-US" altLang="zh-CN" dirty="0" smtClean="0"/>
+              <a:t>Regression/ Collaborative Filtering)</a:t>
+            </a:r>
           </a:p>
           <a:p>
             <a:pPr marL="342900" indent="-342900">
               <a:buAutoNum type="arabicPeriod"/>
             </a:pPr>
-            <a:r>
-              <a:rPr lang="en-US" altLang="zh-CN" dirty="0"/>
-              <a:t>Creating web </a:t>
-            </a:r>
+            <a:endParaRPr lang="en-US" altLang="zh-CN" dirty="0"/>
+          </a:p>
+          <a:p>
+            <a:pPr marL="342900" indent="-342900">
+              <a:buAutoNum type="arabicPeriod"/>
+            </a:pPr>
             <a:r>
               <a:rPr lang="en-US" altLang="zh-CN" dirty="0" smtClean="0"/>
-              <a:t>dashboards using Play Framework</a:t>
-            </a:r>
-            <a:r>
-              <a:rPr lang="en-US" altLang="zh-CN" dirty="0"/>
-              <a:t/>
+              <a:t>Descriptive Analysis :- Querying Data and storing result in Data ware house. Fetching data from Data ware house  visualizing on web dashboard.</a:t>
             </a:r>
             <a:br>
-              <a:rPr lang="en-US" altLang="zh-CN" dirty="0"/>
+              <a:rPr lang="en-US" altLang="zh-CN" dirty="0" smtClean="0"/>
             </a:br>
             <a:endParaRPr lang="zh-CN" altLang="en-US" dirty="0"/>
           </a:p>
@@ -6656,6 +6735,13 @@
   <p:clrMapOvr>
     <a:masterClrMapping/>
   </p:clrMapOvr>
+  <p:timing>
+    <p:tnLst>
+      <p:par>
+        <p:cTn id="1" dur="indefinite" restart="never" nodeType="tmRoot"/>
+      </p:par>
+    </p:tnLst>
+  </p:timing>
 </p:sld>
 </file>
 
@@ -6724,7 +6810,7 @@
         <p:spPr>
           <a:xfrm>
             <a:off x="575733" y="829733"/>
-            <a:ext cx="9651999" cy="2585323"/>
+            <a:ext cx="9651999" cy="3139321"/>
           </a:xfrm>
           <a:prstGeom prst="rect">
             <a:avLst/>
@@ -6754,22 +6840,57 @@
               <a:t>Kaggle</a:t>
             </a:r>
             <a:r>
+              <a:rPr lang="en-US" altLang="zh-CN" dirty="0" smtClean="0"/>
+              <a:t>)</a:t>
+            </a:r>
+          </a:p>
+          <a:p>
+            <a:endParaRPr lang="en-US" altLang="zh-CN" dirty="0" smtClean="0"/>
+          </a:p>
+          <a:p>
+            <a:pPr marL="285750" indent="-285750">
+              <a:buFont typeface="Arial" charset="0"/>
+              <a:buChar char="•"/>
+            </a:pPr>
+            <a:r>
               <a:rPr lang="en-US" altLang="zh-CN" dirty="0"/>
+              <a:t>(4.09GB, 37670294 records</a:t>
+            </a:r>
+            <a:r>
+              <a:rPr lang="en-US" altLang="zh-CN" dirty="0" smtClean="0"/>
               <a:t>)</a:t>
             </a:r>
-            <a:br>
+          </a:p>
+          <a:p>
+            <a:pPr marL="285750" indent="-285750">
+              <a:buFont typeface="Arial" charset="0"/>
+              <a:buChar char="•"/>
+            </a:pPr>
+            <a:r>
+              <a:rPr lang="en-US" altLang="zh-CN" dirty="0" smtClean="0"/>
+              <a:t> </a:t>
+            </a:r>
+            <a:r>
               <a:rPr lang="en-US" altLang="zh-CN" dirty="0"/>
-            </a:br>
+              <a:t>24 column in </a:t>
+            </a:r>
+            <a:r>
+              <a:rPr lang="en-US" altLang="zh-CN" dirty="0" smtClean="0"/>
+              <a:t>training</a:t>
+            </a:r>
+          </a:p>
+          <a:p>
+            <a:pPr marL="285750" indent="-285750">
+              <a:buFont typeface="Arial" charset="0"/>
+              <a:buChar char="•"/>
+            </a:pPr>
+            <a:r>
+              <a:rPr lang="en-US" altLang="zh-CN" dirty="0" smtClean="0"/>
+              <a:t>• </a:t>
+            </a:r>
             <a:r>
               <a:rPr lang="en-US" altLang="zh-CN" dirty="0"/>
-              <a:t>• 24 column in training(4.09GB)</a:t>
-            </a:r>
-            <a:br>
-              <a:rPr lang="en-US" altLang="zh-CN" dirty="0"/>
-            </a:br>
-            <a:r>
-              <a:rPr lang="en-US" altLang="zh-CN" dirty="0"/>
-              <a:t>• 22 column in testing (no </a:t>
+              <a:t>22 column in testing (no </a:t>
             </a:r>
             <a:r>
               <a:rPr lang="en-US" altLang="zh-CN" dirty="0" err="1"/>
@@ -6837,7 +6958,7 @@
         </p:blipFill>
         <p:spPr>
           <a:xfrm>
-            <a:off x="430211" y="3143514"/>
+            <a:off x="575733" y="3969054"/>
             <a:ext cx="5128769" cy="2571488"/>
           </a:xfrm>
           <a:prstGeom prst="rect">
@@ -6867,7 +6988,7 @@
         </p:blipFill>
         <p:spPr>
           <a:xfrm>
-            <a:off x="6296185" y="3143514"/>
+            <a:off x="6262318" y="3969054"/>
             <a:ext cx="4579572" cy="2599267"/>
           </a:xfrm>
           <a:prstGeom prst="rect">
@@ -6953,7 +7074,7 @@
         <p:spPr>
           <a:xfrm>
             <a:off x="1054947" y="988905"/>
-            <a:ext cx="8275320" cy="3693319"/>
+            <a:ext cx="8275320" cy="923330"/>
           </a:xfrm>
           <a:prstGeom prst="rect">
             <a:avLst/>
@@ -6967,59 +7088,675 @@
           <a:p>
             <a:r>
               <a:rPr lang="en-US" altLang="zh-CN" dirty="0"/>
-              <a:t>Milestones/sprints (approximately one week to ten days between each);</a:t>
-            </a:r>
-          </a:p>
-          <a:p>
+              <a:t>Milestones/sprints (approximately one week to ten days between each</a:t>
+            </a:r>
+            <a:r>
+              <a:rPr lang="en-US" altLang="zh-CN" dirty="0" smtClean="0"/>
+              <a:t>);</a:t>
+            </a:r>
             <a:endParaRPr lang="en-US" altLang="zh-CN" dirty="0"/>
           </a:p>
           <a:p>
-            <a:endParaRPr lang="en-US" altLang="zh-CN" dirty="0"/>
-          </a:p>
-          <a:p>
             <a:r>
               <a:rPr lang="en-US" altLang="zh-CN" dirty="0" smtClean="0"/>
-              <a:t>Sprint 1: Data cleaning, Creating  clusters and Spark development environment set up , finalizing which machine leaning algorithm to use</a:t>
-            </a:r>
-          </a:p>
-          <a:p>
-            <a:endParaRPr lang="en-US" altLang="zh-CN" dirty="0"/>
-          </a:p>
-          <a:p>
-            <a:r>
+              <a:t/>
+            </a:r>
+            <a:br>
               <a:rPr lang="en-US" altLang="zh-CN" dirty="0" smtClean="0"/>
-              <a:t>Sprint 2:  Implementing MapReduce with Spark, Implementing Machine learning with </a:t>
-            </a:r>
-            <a:r>
-              <a:rPr lang="en-US" altLang="zh-CN" dirty="0" err="1" smtClean="0"/>
-              <a:t>MLLIb</a:t>
-            </a:r>
-            <a:r>
-              <a:rPr lang="en-US" altLang="zh-CN" dirty="0" smtClean="0"/>
-              <a:t>.</a:t>
-            </a:r>
-          </a:p>
-          <a:p>
-            <a:endParaRPr lang="en-US" altLang="zh-CN" dirty="0"/>
-          </a:p>
-          <a:p>
-            <a:r>
-              <a:rPr lang="en-US" altLang="zh-CN" dirty="0" smtClean="0"/>
-              <a:t>Sprint 3: Building Web Dashboards using Play Framework</a:t>
-            </a:r>
-          </a:p>
-          <a:p>
-            <a:endParaRPr lang="en-US" altLang="zh-CN" dirty="0"/>
-          </a:p>
-          <a:p>
-            <a:r>
-              <a:rPr lang="en-US" altLang="zh-CN" dirty="0"/>
-              <a:t/>
-            </a:r>
-            <a:br>
-              <a:rPr lang="en-US" altLang="zh-CN" dirty="0"/>
             </a:br>
             <a:endParaRPr lang="zh-CN" altLang="en-US" dirty="0"/>
+          </a:p>
+        </p:txBody>
+      </p:sp>
+      <p:sp>
+        <p:nvSpPr>
+          <p:cNvPr id="5" name="Right Arrow 4"/>
+          <p:cNvSpPr/>
+          <p:nvPr/>
+        </p:nvSpPr>
+        <p:spPr>
+          <a:xfrm>
+            <a:off x="914400" y="5128959"/>
+            <a:ext cx="2959100" cy="573029"/>
+          </a:xfrm>
+          <a:prstGeom prst="rightArrow">
+            <a:avLst/>
+          </a:prstGeom>
+        </p:spPr>
+        <p:style>
+          <a:lnRef idx="2">
+            <a:schemeClr val="accent1">
+              <a:shade val="50000"/>
+            </a:schemeClr>
+          </a:lnRef>
+          <a:fillRef idx="1">
+            <a:schemeClr val="accent1"/>
+          </a:fillRef>
+          <a:effectRef idx="0">
+            <a:schemeClr val="accent1"/>
+          </a:effectRef>
+          <a:fontRef idx="minor">
+            <a:schemeClr val="lt1"/>
+          </a:fontRef>
+        </p:style>
+        <p:txBody>
+          <a:bodyPr rtlCol="0" anchor="ctr"/>
+          <a:lstStyle/>
+          <a:p>
+            <a:pPr algn="ctr"/>
+            <a:r>
+              <a:rPr lang="en-US" dirty="0" smtClean="0"/>
+              <a:t>Sprint 1</a:t>
+            </a:r>
+            <a:endParaRPr lang="en-US" dirty="0"/>
+          </a:p>
+        </p:txBody>
+      </p:sp>
+      <p:sp>
+        <p:nvSpPr>
+          <p:cNvPr id="6" name="Right Arrow 5"/>
+          <p:cNvSpPr/>
+          <p:nvPr/>
+        </p:nvSpPr>
+        <p:spPr>
+          <a:xfrm>
+            <a:off x="3067669" y="4606861"/>
+            <a:ext cx="2959100" cy="603538"/>
+          </a:xfrm>
+          <a:prstGeom prst="rightArrow">
+            <a:avLst/>
+          </a:prstGeom>
+        </p:spPr>
+        <p:style>
+          <a:lnRef idx="2">
+            <a:schemeClr val="accent1">
+              <a:shade val="50000"/>
+            </a:schemeClr>
+          </a:lnRef>
+          <a:fillRef idx="1">
+            <a:schemeClr val="accent1"/>
+          </a:fillRef>
+          <a:effectRef idx="0">
+            <a:schemeClr val="accent1"/>
+          </a:effectRef>
+          <a:fontRef idx="minor">
+            <a:schemeClr val="lt1"/>
+          </a:fontRef>
+        </p:style>
+        <p:txBody>
+          <a:bodyPr rtlCol="0" anchor="ctr"/>
+          <a:lstStyle/>
+          <a:p>
+            <a:pPr algn="ctr"/>
+            <a:r>
+              <a:rPr lang="en-US" smtClean="0"/>
+              <a:t>Sprint 2</a:t>
+            </a:r>
+            <a:endParaRPr lang="en-US"/>
+          </a:p>
+        </p:txBody>
+      </p:sp>
+      <p:sp>
+        <p:nvSpPr>
+          <p:cNvPr id="7" name="Right Arrow 6"/>
+          <p:cNvSpPr/>
+          <p:nvPr/>
+        </p:nvSpPr>
+        <p:spPr>
+          <a:xfrm>
+            <a:off x="5102652" y="4029109"/>
+            <a:ext cx="2959100" cy="582083"/>
+          </a:xfrm>
+          <a:prstGeom prst="rightArrow">
+            <a:avLst/>
+          </a:prstGeom>
+        </p:spPr>
+        <p:style>
+          <a:lnRef idx="2">
+            <a:schemeClr val="accent1">
+              <a:shade val="50000"/>
+            </a:schemeClr>
+          </a:lnRef>
+          <a:fillRef idx="1">
+            <a:schemeClr val="accent1"/>
+          </a:fillRef>
+          <a:effectRef idx="0">
+            <a:schemeClr val="accent1"/>
+          </a:effectRef>
+          <a:fontRef idx="minor">
+            <a:schemeClr val="lt1"/>
+          </a:fontRef>
+        </p:style>
+        <p:txBody>
+          <a:bodyPr rtlCol="0" anchor="ctr"/>
+          <a:lstStyle/>
+          <a:p>
+            <a:pPr algn="ctr"/>
+            <a:r>
+              <a:rPr lang="en-US" smtClean="0"/>
+              <a:t>Sprint 3</a:t>
+            </a:r>
+            <a:endParaRPr lang="en-US"/>
+          </a:p>
+        </p:txBody>
+      </p:sp>
+      <p:sp>
+        <p:nvSpPr>
+          <p:cNvPr id="8" name="Right Arrow 7"/>
+          <p:cNvSpPr/>
+          <p:nvPr/>
+        </p:nvSpPr>
+        <p:spPr>
+          <a:xfrm>
+            <a:off x="7408085" y="3518652"/>
+            <a:ext cx="2959100" cy="559552"/>
+          </a:xfrm>
+          <a:prstGeom prst="rightArrow">
+            <a:avLst/>
+          </a:prstGeom>
+        </p:spPr>
+        <p:style>
+          <a:lnRef idx="2">
+            <a:schemeClr val="accent1">
+              <a:shade val="50000"/>
+            </a:schemeClr>
+          </a:lnRef>
+          <a:fillRef idx="1">
+            <a:schemeClr val="accent1"/>
+          </a:fillRef>
+          <a:effectRef idx="0">
+            <a:schemeClr val="accent1"/>
+          </a:effectRef>
+          <a:fontRef idx="minor">
+            <a:schemeClr val="lt1"/>
+          </a:fontRef>
+        </p:style>
+        <p:txBody>
+          <a:bodyPr rtlCol="0" anchor="ctr"/>
+          <a:lstStyle/>
+          <a:p>
+            <a:pPr algn="ctr"/>
+            <a:r>
+              <a:rPr lang="en-US" smtClean="0"/>
+              <a:t>Sprint 4</a:t>
+            </a:r>
+            <a:endParaRPr lang="en-US"/>
+          </a:p>
+        </p:txBody>
+      </p:sp>
+      <p:cxnSp>
+        <p:nvCxnSpPr>
+          <p:cNvPr id="10" name="Straight Arrow Connector 9"/>
+          <p:cNvCxnSpPr/>
+          <p:nvPr/>
+        </p:nvCxnSpPr>
+        <p:spPr>
+          <a:xfrm flipV="1">
+            <a:off x="1035897" y="6007100"/>
+            <a:ext cx="10325100" cy="38100"/>
+          </a:xfrm>
+          <a:prstGeom prst="straightConnector1">
+            <a:avLst/>
+          </a:prstGeom>
+          <a:ln>
+            <a:tailEnd type="triangle"/>
+          </a:ln>
+        </p:spPr>
+        <p:style>
+          <a:lnRef idx="1">
+            <a:schemeClr val="accent1"/>
+          </a:lnRef>
+          <a:fillRef idx="0">
+            <a:schemeClr val="accent1"/>
+          </a:fillRef>
+          <a:effectRef idx="0">
+            <a:schemeClr val="accent1"/>
+          </a:effectRef>
+          <a:fontRef idx="minor">
+            <a:schemeClr val="tx1"/>
+          </a:fontRef>
+        </p:style>
+      </p:cxnSp>
+      <p:cxnSp>
+        <p:nvCxnSpPr>
+          <p:cNvPr id="12" name="Straight Connector 11"/>
+          <p:cNvCxnSpPr/>
+          <p:nvPr/>
+        </p:nvCxnSpPr>
+        <p:spPr>
+          <a:xfrm>
+            <a:off x="2044700" y="6007100"/>
+            <a:ext cx="0" cy="139700"/>
+          </a:xfrm>
+          <a:prstGeom prst="line">
+            <a:avLst/>
+          </a:prstGeom>
+        </p:spPr>
+        <p:style>
+          <a:lnRef idx="1">
+            <a:schemeClr val="accent1"/>
+          </a:lnRef>
+          <a:fillRef idx="0">
+            <a:schemeClr val="accent1"/>
+          </a:fillRef>
+          <a:effectRef idx="0">
+            <a:schemeClr val="accent1"/>
+          </a:effectRef>
+          <a:fontRef idx="minor">
+            <a:schemeClr val="tx1"/>
+          </a:fontRef>
+        </p:style>
+      </p:cxnSp>
+      <p:cxnSp>
+        <p:nvCxnSpPr>
+          <p:cNvPr id="16" name="Straight Connector 15"/>
+          <p:cNvCxnSpPr/>
+          <p:nvPr/>
+        </p:nvCxnSpPr>
+        <p:spPr>
+          <a:xfrm>
+            <a:off x="3644900" y="5956300"/>
+            <a:ext cx="0" cy="139700"/>
+          </a:xfrm>
+          <a:prstGeom prst="line">
+            <a:avLst/>
+          </a:prstGeom>
+        </p:spPr>
+        <p:style>
+          <a:lnRef idx="1">
+            <a:schemeClr val="accent1"/>
+          </a:lnRef>
+          <a:fillRef idx="0">
+            <a:schemeClr val="accent1"/>
+          </a:fillRef>
+          <a:effectRef idx="0">
+            <a:schemeClr val="accent1"/>
+          </a:effectRef>
+          <a:fontRef idx="minor">
+            <a:schemeClr val="tx1"/>
+          </a:fontRef>
+        </p:style>
+      </p:cxnSp>
+      <p:cxnSp>
+        <p:nvCxnSpPr>
+          <p:cNvPr id="17" name="Straight Connector 16"/>
+          <p:cNvCxnSpPr/>
+          <p:nvPr/>
+        </p:nvCxnSpPr>
+        <p:spPr>
+          <a:xfrm>
+            <a:off x="5689600" y="5943600"/>
+            <a:ext cx="0" cy="139700"/>
+          </a:xfrm>
+          <a:prstGeom prst="line">
+            <a:avLst/>
+          </a:prstGeom>
+        </p:spPr>
+        <p:style>
+          <a:lnRef idx="1">
+            <a:schemeClr val="accent1"/>
+          </a:lnRef>
+          <a:fillRef idx="0">
+            <a:schemeClr val="accent1"/>
+          </a:fillRef>
+          <a:effectRef idx="0">
+            <a:schemeClr val="accent1"/>
+          </a:effectRef>
+          <a:fontRef idx="minor">
+            <a:schemeClr val="tx1"/>
+          </a:fontRef>
+        </p:style>
+      </p:cxnSp>
+      <p:cxnSp>
+        <p:nvCxnSpPr>
+          <p:cNvPr id="18" name="Straight Connector 17"/>
+          <p:cNvCxnSpPr/>
+          <p:nvPr/>
+        </p:nvCxnSpPr>
+        <p:spPr>
+          <a:xfrm>
+            <a:off x="7848600" y="5956300"/>
+            <a:ext cx="0" cy="139700"/>
+          </a:xfrm>
+          <a:prstGeom prst="line">
+            <a:avLst/>
+          </a:prstGeom>
+        </p:spPr>
+        <p:style>
+          <a:lnRef idx="1">
+            <a:schemeClr val="accent1"/>
+          </a:lnRef>
+          <a:fillRef idx="0">
+            <a:schemeClr val="accent1"/>
+          </a:fillRef>
+          <a:effectRef idx="0">
+            <a:schemeClr val="accent1"/>
+          </a:effectRef>
+          <a:fontRef idx="minor">
+            <a:schemeClr val="tx1"/>
+          </a:fontRef>
+        </p:style>
+      </p:cxnSp>
+      <p:cxnSp>
+        <p:nvCxnSpPr>
+          <p:cNvPr id="19" name="Straight Connector 18"/>
+          <p:cNvCxnSpPr/>
+          <p:nvPr/>
+        </p:nvCxnSpPr>
+        <p:spPr>
+          <a:xfrm>
+            <a:off x="10185400" y="5975350"/>
+            <a:ext cx="0" cy="139700"/>
+          </a:xfrm>
+          <a:prstGeom prst="line">
+            <a:avLst/>
+          </a:prstGeom>
+        </p:spPr>
+        <p:style>
+          <a:lnRef idx="1">
+            <a:schemeClr val="accent1"/>
+          </a:lnRef>
+          <a:fillRef idx="0">
+            <a:schemeClr val="accent1"/>
+          </a:fillRef>
+          <a:effectRef idx="0">
+            <a:schemeClr val="accent1"/>
+          </a:effectRef>
+          <a:fontRef idx="minor">
+            <a:schemeClr val="tx1"/>
+          </a:fontRef>
+        </p:style>
+      </p:cxnSp>
+      <p:sp>
+        <p:nvSpPr>
+          <p:cNvPr id="21" name="TextBox 20"/>
+          <p:cNvSpPr txBox="1"/>
+          <p:nvPr/>
+        </p:nvSpPr>
+        <p:spPr>
+          <a:xfrm>
+            <a:off x="1587500" y="6146285"/>
+            <a:ext cx="914400" cy="369332"/>
+          </a:xfrm>
+          <a:prstGeom prst="rect">
+            <a:avLst/>
+          </a:prstGeom>
+          <a:noFill/>
+        </p:spPr>
+        <p:txBody>
+          <a:bodyPr wrap="square" rtlCol="0">
+            <a:spAutoFit/>
+          </a:bodyPr>
+          <a:lstStyle/>
+          <a:p>
+            <a:r>
+              <a:rPr lang="en-US" dirty="0" smtClean="0"/>
+              <a:t>11.10</a:t>
+            </a:r>
+            <a:endParaRPr lang="en-US" dirty="0"/>
+          </a:p>
+        </p:txBody>
+      </p:sp>
+      <p:sp>
+        <p:nvSpPr>
+          <p:cNvPr id="22" name="TextBox 21"/>
+          <p:cNvSpPr txBox="1"/>
+          <p:nvPr/>
+        </p:nvSpPr>
+        <p:spPr>
+          <a:xfrm>
+            <a:off x="3244977" y="6101319"/>
+            <a:ext cx="901700" cy="369332"/>
+          </a:xfrm>
+          <a:prstGeom prst="rect">
+            <a:avLst/>
+          </a:prstGeom>
+          <a:noFill/>
+        </p:spPr>
+        <p:txBody>
+          <a:bodyPr wrap="square" rtlCol="0">
+            <a:spAutoFit/>
+          </a:bodyPr>
+          <a:lstStyle/>
+          <a:p>
+            <a:r>
+              <a:rPr lang="en-US" dirty="0" smtClean="0"/>
+              <a:t>11.17</a:t>
+            </a:r>
+            <a:endParaRPr lang="en-US" dirty="0"/>
+          </a:p>
+        </p:txBody>
+      </p:sp>
+      <p:sp>
+        <p:nvSpPr>
+          <p:cNvPr id="24" name="TextBox 23"/>
+          <p:cNvSpPr txBox="1"/>
+          <p:nvPr/>
+        </p:nvSpPr>
+        <p:spPr>
+          <a:xfrm>
+            <a:off x="5265022" y="6146800"/>
+            <a:ext cx="761747" cy="369332"/>
+          </a:xfrm>
+          <a:prstGeom prst="rect">
+            <a:avLst/>
+          </a:prstGeom>
+          <a:noFill/>
+        </p:spPr>
+        <p:txBody>
+          <a:bodyPr wrap="none" rtlCol="0">
+            <a:spAutoFit/>
+          </a:bodyPr>
+          <a:lstStyle/>
+          <a:p>
+            <a:r>
+              <a:rPr lang="en-US" dirty="0" smtClean="0"/>
+              <a:t>11.24</a:t>
+            </a:r>
+            <a:endParaRPr lang="en-US" dirty="0"/>
+          </a:p>
+        </p:txBody>
+      </p:sp>
+      <p:sp>
+        <p:nvSpPr>
+          <p:cNvPr id="25" name="TextBox 24"/>
+          <p:cNvSpPr txBox="1"/>
+          <p:nvPr/>
+        </p:nvSpPr>
+        <p:spPr>
+          <a:xfrm>
+            <a:off x="7531846" y="6127750"/>
+            <a:ext cx="633507" cy="369332"/>
+          </a:xfrm>
+          <a:prstGeom prst="rect">
+            <a:avLst/>
+          </a:prstGeom>
+          <a:noFill/>
+        </p:spPr>
+        <p:txBody>
+          <a:bodyPr wrap="none" rtlCol="0">
+            <a:spAutoFit/>
+          </a:bodyPr>
+          <a:lstStyle/>
+          <a:p>
+            <a:r>
+              <a:rPr lang="en-US" dirty="0" smtClean="0"/>
+              <a:t>12.1</a:t>
+            </a:r>
+            <a:endParaRPr lang="en-US" dirty="0"/>
+          </a:p>
+        </p:txBody>
+      </p:sp>
+      <p:sp>
+        <p:nvSpPr>
+          <p:cNvPr id="26" name="TextBox 25"/>
+          <p:cNvSpPr txBox="1"/>
+          <p:nvPr/>
+        </p:nvSpPr>
+        <p:spPr>
+          <a:xfrm>
+            <a:off x="9868646" y="6133458"/>
+            <a:ext cx="633507" cy="369332"/>
+          </a:xfrm>
+          <a:prstGeom prst="rect">
+            <a:avLst/>
+          </a:prstGeom>
+          <a:noFill/>
+        </p:spPr>
+        <p:txBody>
+          <a:bodyPr wrap="none" rtlCol="0">
+            <a:spAutoFit/>
+          </a:bodyPr>
+          <a:lstStyle/>
+          <a:p>
+            <a:r>
+              <a:rPr lang="en-US" dirty="0" smtClean="0"/>
+              <a:t>12.8</a:t>
+            </a:r>
+            <a:endParaRPr lang="en-US" dirty="0"/>
+          </a:p>
+        </p:txBody>
+      </p:sp>
+      <p:sp>
+        <p:nvSpPr>
+          <p:cNvPr id="27" name="TextBox 26"/>
+          <p:cNvSpPr txBox="1"/>
+          <p:nvPr/>
+        </p:nvSpPr>
+        <p:spPr>
+          <a:xfrm>
+            <a:off x="1166036" y="2377298"/>
+            <a:ext cx="1346200" cy="2492990"/>
+          </a:xfrm>
+          <a:prstGeom prst="rect">
+            <a:avLst/>
+          </a:prstGeom>
+          <a:noFill/>
+        </p:spPr>
+        <p:txBody>
+          <a:bodyPr wrap="square" rtlCol="0">
+            <a:spAutoFit/>
+          </a:bodyPr>
+          <a:lstStyle/>
+          <a:p>
+            <a:r>
+              <a:rPr lang="en-US" altLang="zh-CN" sz="1200" dirty="0" smtClean="0"/>
+              <a:t>Data </a:t>
+            </a:r>
+            <a:r>
+              <a:rPr lang="en-US" altLang="zh-CN" sz="1200" dirty="0"/>
+              <a:t>cleaning, Creating  clusters and Spark development environment set up , finalizing which machine leaning algorithm to use</a:t>
+            </a:r>
+          </a:p>
+          <a:p>
+            <a:endParaRPr lang="en-US" sz="1200" dirty="0"/>
+          </a:p>
+        </p:txBody>
+      </p:sp>
+      <p:sp>
+        <p:nvSpPr>
+          <p:cNvPr id="28" name="Rectangle 27"/>
+          <p:cNvSpPr/>
+          <p:nvPr/>
+        </p:nvSpPr>
+        <p:spPr>
+          <a:xfrm>
+            <a:off x="3771900" y="2469223"/>
+            <a:ext cx="1098677" cy="1569660"/>
+          </a:xfrm>
+          <a:prstGeom prst="rect">
+            <a:avLst/>
+          </a:prstGeom>
+        </p:spPr>
+        <p:txBody>
+          <a:bodyPr wrap="square">
+            <a:spAutoFit/>
+          </a:bodyPr>
+          <a:lstStyle/>
+          <a:p>
+            <a:r>
+              <a:rPr lang="en-US" altLang="zh-CN" sz="1200" dirty="0"/>
+              <a:t>Implementing MapReduce with Spark, Implementing Machine learning with </a:t>
+            </a:r>
+            <a:r>
+              <a:rPr lang="en-US" altLang="zh-CN" sz="1200" dirty="0" err="1"/>
+              <a:t>MLLIb</a:t>
+            </a:r>
+            <a:r>
+              <a:rPr lang="en-US" altLang="zh-CN" sz="1200" dirty="0"/>
+              <a:t>.</a:t>
+            </a:r>
+          </a:p>
+        </p:txBody>
+      </p:sp>
+      <p:sp>
+        <p:nvSpPr>
+          <p:cNvPr id="29" name="Rectangle 28"/>
+          <p:cNvSpPr/>
+          <p:nvPr/>
+        </p:nvSpPr>
+        <p:spPr>
+          <a:xfrm>
+            <a:off x="5928535" y="2422692"/>
+            <a:ext cx="1257300" cy="1846659"/>
+          </a:xfrm>
+          <a:prstGeom prst="rect">
+            <a:avLst/>
+          </a:prstGeom>
+        </p:spPr>
+        <p:txBody>
+          <a:bodyPr wrap="square">
+            <a:spAutoFit/>
+          </a:bodyPr>
+          <a:lstStyle/>
+          <a:p>
+            <a:r>
+              <a:rPr lang="en-US" altLang="zh-CN" sz="1200" dirty="0"/>
+              <a:t>Building Web Dashboards using Play </a:t>
+            </a:r>
+            <a:r>
+              <a:rPr lang="en-US" altLang="zh-CN" sz="1200" dirty="0" smtClean="0"/>
+              <a:t>Framework,</a:t>
+            </a:r>
+          </a:p>
+          <a:p>
+            <a:r>
+              <a:rPr lang="en-US" altLang="zh-CN" sz="1200" dirty="0" smtClean="0"/>
+              <a:t>Configuring the spark cluster on AWS</a:t>
+            </a:r>
+            <a:endParaRPr lang="en-US" altLang="zh-CN" sz="1200" dirty="0"/>
+          </a:p>
+          <a:p>
+            <a:endParaRPr lang="en-US" altLang="zh-CN" dirty="0"/>
+          </a:p>
+        </p:txBody>
+      </p:sp>
+      <p:sp>
+        <p:nvSpPr>
+          <p:cNvPr id="30" name="Rectangle 29"/>
+          <p:cNvSpPr/>
+          <p:nvPr/>
+        </p:nvSpPr>
+        <p:spPr>
+          <a:xfrm>
+            <a:off x="7950199" y="2220985"/>
+            <a:ext cx="1380067" cy="1384995"/>
+          </a:xfrm>
+          <a:prstGeom prst="rect">
+            <a:avLst/>
+          </a:prstGeom>
+        </p:spPr>
+        <p:txBody>
+          <a:bodyPr wrap="square">
+            <a:spAutoFit/>
+          </a:bodyPr>
+          <a:lstStyle/>
+          <a:p>
+            <a:r>
+              <a:rPr lang="en-US" altLang="zh-CN" sz="1200" dirty="0" smtClean="0"/>
+              <a:t>Running Project on Spark Clusters with all big data. Preparing final project presentation</a:t>
+            </a:r>
+            <a:endParaRPr lang="en-US" altLang="zh-CN" sz="1200" dirty="0"/>
           </a:p>
         </p:txBody>
       </p:sp>
@@ -7033,6 +7770,13 @@
   <p:clrMapOvr>
     <a:masterClrMapping/>
   </p:clrMapOvr>
+  <p:timing>
+    <p:tnLst>
+      <p:par>
+        <p:cTn id="1" dur="indefinite" restart="never" nodeType="tmRoot"/>
+      </p:par>
+    </p:tnLst>
+  </p:timing>
 </p:sld>
 </file>
 
@@ -7101,7 +7845,7 @@
         <p:spPr>
           <a:xfrm>
             <a:off x="770465" y="731503"/>
-            <a:ext cx="9220201" cy="3693319"/>
+            <a:ext cx="9220201" cy="4524315"/>
           </a:xfrm>
           <a:prstGeom prst="rect">
             <a:avLst/>
@@ -7125,6 +7869,10 @@
             <a:endParaRPr lang="en-US" altLang="zh-CN" dirty="0"/>
           </a:p>
           <a:p>
+            <a:pPr marL="285750" indent="-285750">
+              <a:buFont typeface="Arial" charset="0"/>
+              <a:buChar char="•"/>
+            </a:pPr>
             <a:r>
               <a:rPr lang="en-US" altLang="zh-CN" dirty="0" smtClean="0"/>
               <a:t>Data Processing in Spark (</a:t>
@@ -7135,11 +7883,25 @@
             </a:r>
             <a:r>
               <a:rPr lang="en-US" altLang="zh-CN" dirty="0" smtClean="0"/>
-              <a:t> Learning)</a:t>
-            </a:r>
+              <a:t> Learning</a:t>
+            </a:r>
+            <a:r>
+              <a:rPr lang="en-US" altLang="zh-CN" dirty="0" smtClean="0"/>
+              <a:t>)</a:t>
+            </a:r>
+          </a:p>
+          <a:p>
+            <a:pPr marL="285750" indent="-285750">
+              <a:buFont typeface="Arial" charset="0"/>
+              <a:buChar char="•"/>
+            </a:pPr>
             <a:endParaRPr lang="en-US" altLang="zh-CN" dirty="0"/>
           </a:p>
           <a:p>
+            <a:pPr marL="285750" indent="-285750">
+              <a:buFont typeface="Arial" charset="0"/>
+              <a:buChar char="•"/>
+            </a:pPr>
             <a:r>
               <a:rPr lang="en-US" altLang="zh-CN" dirty="0"/>
               <a:t>Scala </a:t>
@@ -7154,8 +7916,26 @@
             </a:r>
             <a:r>
               <a:rPr lang="en-US" altLang="zh-CN" dirty="0" smtClean="0"/>
-              <a:t>dashboards</a:t>
-            </a:r>
+              <a:t>dashboards.</a:t>
+            </a:r>
+          </a:p>
+          <a:p>
+            <a:pPr marL="285750" indent="-285750">
+              <a:buFont typeface="Arial" charset="0"/>
+              <a:buChar char="•"/>
+            </a:pPr>
+            <a:endParaRPr lang="en-US" altLang="zh-CN" dirty="0" smtClean="0"/>
+          </a:p>
+          <a:p>
+            <a:pPr marL="285750" indent="-285750">
+              <a:buFont typeface="Arial" charset="0"/>
+              <a:buChar char="•"/>
+            </a:pPr>
+            <a:r>
+              <a:rPr lang="en-US" altLang="zh-CN" dirty="0" smtClean="0"/>
+              <a:t>Unit Tests using Scala Test Framework for each of our use case</a:t>
+            </a:r>
+            <a:endParaRPr lang="en-US" altLang="zh-CN" dirty="0" smtClean="0"/>
           </a:p>
           <a:p>
             <a:endParaRPr lang="en-US" altLang="zh-CN" dirty="0" smtClean="0"/>
@@ -7208,6 +7988,13 @@
   <p:clrMapOvr>
     <a:masterClrMapping/>
   </p:clrMapOvr>
+  <p:timing>
+    <p:tnLst>
+      <p:par>
+        <p:cTn id="1" dur="indefinite" restart="never" nodeType="tmRoot"/>
+      </p:par>
+    </p:tnLst>
+  </p:timing>
 </p:sld>
 </file>
 
@@ -7314,7 +8101,7 @@
         <p:spPr>
           <a:xfrm>
             <a:off x="668866" y="1778970"/>
-            <a:ext cx="10574867" cy="1754326"/>
+            <a:ext cx="10574867" cy="2308324"/>
           </a:xfrm>
           <a:prstGeom prst="rect">
             <a:avLst/>
@@ -7326,50 +8113,68 @@
           </a:bodyPr>
           <a:lstStyle/>
           <a:p>
+            <a:pPr marL="342900" indent="-342900">
+              <a:buFont typeface="Arial" charset="0"/>
+              <a:buChar char="•"/>
+            </a:pPr>
             <a:r>
               <a:rPr lang="en-US" altLang="zh-CN" dirty="0" smtClean="0"/>
-              <a:t>Consuming </a:t>
-            </a:r>
-            <a:r>
-              <a:rPr lang="en-US" altLang="zh-CN" dirty="0"/>
-              <a:t>apache spark </a:t>
-            </a:r>
-            <a:r>
-              <a:rPr lang="en-US" altLang="zh-CN" dirty="0" err="1" smtClean="0"/>
-              <a:t>MLLib</a:t>
+              <a:t>Get the recommendations based on existing user information.                                           </a:t>
             </a:r>
             <a:r>
               <a:rPr lang="en-US" altLang="zh-CN" dirty="0" smtClean="0"/>
-              <a:t> for machine </a:t>
+              <a:t>Each existing user gets at least </a:t>
+            </a:r>
+            <a:r>
+              <a:rPr lang="en-US" altLang="zh-CN" b="1" dirty="0" smtClean="0">
+                <a:solidFill>
+                  <a:srgbClr val="FFFF00"/>
+                </a:solidFill>
+              </a:rPr>
+              <a:t>1 valid </a:t>
+            </a:r>
+            <a:r>
+              <a:rPr lang="en-US" altLang="zh-CN" b="1" dirty="0" smtClean="0">
+                <a:solidFill>
+                  <a:srgbClr val="FFFF00"/>
+                </a:solidFill>
+              </a:rPr>
+              <a:t> hotel (cluster) recommendation </a:t>
             </a:r>
             <a:r>
               <a:rPr lang="en-US" altLang="zh-CN" dirty="0" smtClean="0"/>
-              <a:t>learning and achieving at least 65% of accuracy  </a:t>
-            </a:r>
-            <a:endParaRPr lang="en-US" altLang="zh-CN" dirty="0" smtClean="0"/>
-          </a:p>
-          <a:p>
+              <a:t>based on varying inputs.</a:t>
+            </a:r>
+          </a:p>
+          <a:p>
+            <a:pPr marL="342900" indent="-342900">
+              <a:buFont typeface="Arial" charset="0"/>
+              <a:buChar char="•"/>
+            </a:pPr>
+            <a:endParaRPr lang="en-US" altLang="zh-CN" dirty="0"/>
+          </a:p>
+          <a:p>
+            <a:pPr marL="342900" indent="-342900">
+              <a:buFont typeface="Arial" charset="0"/>
+              <a:buChar char="•"/>
+            </a:pPr>
             <a:r>
               <a:rPr lang="en-US" altLang="zh-CN" dirty="0" smtClean="0"/>
-              <a:t>Implementing MapReduce for recommendations and for descriptive analysis.</a:t>
-            </a:r>
-          </a:p>
-          <a:p>
+              <a:t>Get the recommendations for any user based historical data of other users.                     Here  we will be developing a machine learning model which will predict which hotels (hotel clusters ) user is likely to book and recommend those hotels to users.                        We wish to achieve at </a:t>
+            </a:r>
+            <a:r>
+              <a:rPr lang="en-US" altLang="zh-CN" dirty="0" smtClean="0">
+                <a:solidFill>
+                  <a:srgbClr val="FFFF00"/>
+                </a:solidFill>
+              </a:rPr>
+              <a:t>least 51 % of accuracy </a:t>
+            </a:r>
             <a:r>
               <a:rPr lang="en-US" altLang="zh-CN" dirty="0" smtClean="0"/>
-              <a:t>Creating Interactive web Dashboard using Play </a:t>
-            </a:r>
-            <a:r>
-              <a:rPr lang="en-US" altLang="zh-CN" dirty="0" smtClean="0"/>
-              <a:t>Framework(IF TIME PERMITS)</a:t>
-            </a:r>
-            <a:endParaRPr lang="en-US" altLang="zh-CN" dirty="0" smtClean="0"/>
-          </a:p>
-          <a:p>
-            <a:endParaRPr lang="en-US" altLang="zh-CN" dirty="0" smtClean="0"/>
-          </a:p>
-          <a:p>
-            <a:endParaRPr lang="zh-CN" altLang="en-US" dirty="0"/>
+              <a:t>with our predictive model</a:t>
+            </a:r>
+            <a:endParaRPr lang="en-US" altLang="zh-CN" dirty="0"/>
           </a:p>
         </p:txBody>
       </p:sp>
@@ -7494,7 +8299,7 @@
         <p:spPr>
           <a:xfrm>
             <a:off x="651932" y="1287903"/>
-            <a:ext cx="10473267" cy="1754326"/>
+            <a:ext cx="10473267" cy="2585323"/>
           </a:xfrm>
           <a:prstGeom prst="rect">
             <a:avLst/>
@@ -7530,8 +8335,34 @@
           <a:p>
             <a:r>
               <a:rPr lang="en-US" altLang="zh-CN" dirty="0" smtClean="0"/>
-              <a:t>Prediction and recommendation using Machine learning and MapReduce consuming Spark APIS </a:t>
-            </a:r>
+              <a:t>Prediction and recommendation using Machine learning and MapReduce consuming Spark </a:t>
+            </a:r>
+            <a:r>
+              <a:rPr lang="en-US" altLang="zh-CN" dirty="0" smtClean="0"/>
+              <a:t>APIS.</a:t>
+            </a:r>
+          </a:p>
+          <a:p>
+            <a:endParaRPr lang="en-US" altLang="zh-CN" dirty="0"/>
+          </a:p>
+          <a:p>
+            <a:r>
+              <a:rPr lang="en-US" altLang="zh-CN" dirty="0" smtClean="0"/>
+              <a:t>As our data consists  of almost </a:t>
+            </a:r>
+            <a:r>
+              <a:rPr lang="en-US" altLang="zh-CN" dirty="0" smtClean="0">
+                <a:solidFill>
+                  <a:srgbClr val="FFFF00"/>
+                </a:solidFill>
+              </a:rPr>
+              <a:t>37 million records, </a:t>
+            </a:r>
+            <a:r>
+              <a:rPr lang="en-US" altLang="zh-CN" dirty="0" smtClean="0"/>
+              <a:t>the goal of the project is also to process this big data on spark clusters. </a:t>
+            </a:r>
+            <a:endParaRPr lang="en-US" altLang="zh-CN" dirty="0" smtClean="0"/>
           </a:p>
           <a:p>
             <a:endParaRPr lang="zh-CN" altLang="en-US" dirty="0"/>
